--- a/DS2/hw2Design.pptx
+++ b/DS2/hw2Design.pptx
@@ -4,6 +4,9 @@
   <p:sldMasterIdLst>
     <p:sldMasterId id="2147483648" r:id="rId1"/>
   </p:sldMasterIdLst>
+  <p:notesMasterIdLst>
+    <p:notesMasterId r:id="rId10"/>
+  </p:notesMasterIdLst>
   <p:sldIdLst>
     <p:sldId id="256" r:id="rId2"/>
     <p:sldId id="257" r:id="rId3"/>
@@ -12,6 +15,7 @@
     <p:sldId id="260" r:id="rId6"/>
     <p:sldId id="261" r:id="rId7"/>
     <p:sldId id="262" r:id="rId8"/>
+    <p:sldId id="263" r:id="rId9"/>
   </p:sldIdLst>
   <p:sldSz cx="12192000" cy="6858000"/>
   <p:notesSz cx="6858000" cy="9144000"/>
@@ -118,6 +122,355 @@
 </p:presentation>
 </file>
 
+<file path=ppt/notesMasters/notesMaster1.xml><?xml version="1.0" encoding="utf-8"?>
+<p:notesMaster xmlns:a="http://schemas.openxmlformats.org/drawingml/2006/main" xmlns:r="http://schemas.openxmlformats.org/officeDocument/2006/relationships" xmlns:p="http://schemas.openxmlformats.org/presentationml/2006/main">
+  <p:cSld>
+    <p:bg>
+      <p:bgRef idx="1001">
+        <a:schemeClr val="bg1"/>
+      </p:bgRef>
+    </p:bg>
+    <p:spTree>
+      <p:nvGrpSpPr>
+        <p:cNvPr id="1" name=""/>
+        <p:cNvGrpSpPr/>
+        <p:nvPr/>
+      </p:nvGrpSpPr>
+      <p:grpSpPr>
+        <a:xfrm>
+          <a:off x="0" y="0"/>
+          <a:ext cx="0" cy="0"/>
+          <a:chOff x="0" y="0"/>
+          <a:chExt cx="0" cy="0"/>
+        </a:xfrm>
+      </p:grpSpPr>
+      <p:sp>
+        <p:nvSpPr>
+          <p:cNvPr id="2" name="Header Placeholder 1"/>
+          <p:cNvSpPr>
+            <a:spLocks noGrp="1"/>
+          </p:cNvSpPr>
+          <p:nvPr>
+            <p:ph type="hdr" sz="quarter"/>
+          </p:nvPr>
+        </p:nvSpPr>
+        <p:spPr>
+          <a:xfrm>
+            <a:off x="0" y="0"/>
+            <a:ext cx="2971800" cy="458788"/>
+          </a:xfrm>
+          <a:prstGeom prst="rect">
+            <a:avLst/>
+          </a:prstGeom>
+        </p:spPr>
+        <p:txBody>
+          <a:bodyPr vert="horz" lIns="91440" tIns="45720" rIns="91440" bIns="45720" rtlCol="0"/>
+          <a:lstStyle>
+            <a:lvl1pPr algn="l">
+              <a:defRPr sz="1200"/>
+            </a:lvl1pPr>
+          </a:lstStyle>
+          <a:p>
+            <a:endParaRPr lang="en-US"/>
+          </a:p>
+        </p:txBody>
+      </p:sp>
+      <p:sp>
+        <p:nvSpPr>
+          <p:cNvPr id="3" name="Date Placeholder 2"/>
+          <p:cNvSpPr>
+            <a:spLocks noGrp="1"/>
+          </p:cNvSpPr>
+          <p:nvPr>
+            <p:ph type="dt" idx="1"/>
+          </p:nvPr>
+        </p:nvSpPr>
+        <p:spPr>
+          <a:xfrm>
+            <a:off x="3884613" y="0"/>
+            <a:ext cx="2971800" cy="458788"/>
+          </a:xfrm>
+          <a:prstGeom prst="rect">
+            <a:avLst/>
+          </a:prstGeom>
+        </p:spPr>
+        <p:txBody>
+          <a:bodyPr vert="horz" lIns="91440" tIns="45720" rIns="91440" bIns="45720" rtlCol="0"/>
+          <a:lstStyle>
+            <a:lvl1pPr algn="r">
+              <a:defRPr sz="1200"/>
+            </a:lvl1pPr>
+          </a:lstStyle>
+          <a:p>
+            <a:fld id="{E2075246-18B3-4A55-98A8-DA200F7296D5}" type="datetimeFigureOut">
+              <a:rPr lang="en-US" smtClean="0"/>
+              <a:t>1/19/2021</a:t>
+            </a:fld>
+            <a:endParaRPr lang="en-US"/>
+          </a:p>
+        </p:txBody>
+      </p:sp>
+      <p:sp>
+        <p:nvSpPr>
+          <p:cNvPr id="4" name="Slide Image Placeholder 3"/>
+          <p:cNvSpPr>
+            <a:spLocks noGrp="1" noRot="1" noChangeAspect="1"/>
+          </p:cNvSpPr>
+          <p:nvPr>
+            <p:ph type="sldImg" idx="2"/>
+          </p:nvPr>
+        </p:nvSpPr>
+        <p:spPr>
+          <a:xfrm>
+            <a:off x="685800" y="1143000"/>
+            <a:ext cx="5486400" cy="3086100"/>
+          </a:xfrm>
+          <a:prstGeom prst="rect">
+            <a:avLst/>
+          </a:prstGeom>
+          <a:noFill/>
+          <a:ln w="12700">
+            <a:solidFill>
+              <a:prstClr val="black"/>
+            </a:solidFill>
+          </a:ln>
+        </p:spPr>
+        <p:txBody>
+          <a:bodyPr vert="horz" lIns="91440" tIns="45720" rIns="91440" bIns="45720" rtlCol="0" anchor="ctr"/>
+          <a:lstStyle/>
+          <a:p>
+            <a:endParaRPr lang="en-US"/>
+          </a:p>
+        </p:txBody>
+      </p:sp>
+      <p:sp>
+        <p:nvSpPr>
+          <p:cNvPr id="5" name="Notes Placeholder 4"/>
+          <p:cNvSpPr>
+            <a:spLocks noGrp="1"/>
+          </p:cNvSpPr>
+          <p:nvPr>
+            <p:ph type="body" sz="quarter" idx="3"/>
+          </p:nvPr>
+        </p:nvSpPr>
+        <p:spPr>
+          <a:xfrm>
+            <a:off x="685800" y="4400550"/>
+            <a:ext cx="5486400" cy="3600450"/>
+          </a:xfrm>
+          <a:prstGeom prst="rect">
+            <a:avLst/>
+          </a:prstGeom>
+        </p:spPr>
+        <p:txBody>
+          <a:bodyPr vert="horz" lIns="91440" tIns="45720" rIns="91440" bIns="45720" rtlCol="0"/>
+          <a:lstStyle/>
+          <a:p>
+            <a:pPr lvl="0"/>
+            <a:r>
+              <a:rPr lang="en-US"/>
+              <a:t>Click to edit Master text styles</a:t>
+            </a:r>
+          </a:p>
+          <a:p>
+            <a:pPr lvl="1"/>
+            <a:r>
+              <a:rPr lang="en-US"/>
+              <a:t>Second level</a:t>
+            </a:r>
+          </a:p>
+          <a:p>
+            <a:pPr lvl="2"/>
+            <a:r>
+              <a:rPr lang="en-US"/>
+              <a:t>Third level</a:t>
+            </a:r>
+          </a:p>
+          <a:p>
+            <a:pPr lvl="3"/>
+            <a:r>
+              <a:rPr lang="en-US"/>
+              <a:t>Fourth level</a:t>
+            </a:r>
+          </a:p>
+          <a:p>
+            <a:pPr lvl="4"/>
+            <a:r>
+              <a:rPr lang="en-US"/>
+              <a:t>Fifth level</a:t>
+            </a:r>
+          </a:p>
+        </p:txBody>
+      </p:sp>
+      <p:sp>
+        <p:nvSpPr>
+          <p:cNvPr id="6" name="Footer Placeholder 5"/>
+          <p:cNvSpPr>
+            <a:spLocks noGrp="1"/>
+          </p:cNvSpPr>
+          <p:nvPr>
+            <p:ph type="ftr" sz="quarter" idx="4"/>
+          </p:nvPr>
+        </p:nvSpPr>
+        <p:spPr>
+          <a:xfrm>
+            <a:off x="0" y="8685213"/>
+            <a:ext cx="2971800" cy="458787"/>
+          </a:xfrm>
+          <a:prstGeom prst="rect">
+            <a:avLst/>
+          </a:prstGeom>
+        </p:spPr>
+        <p:txBody>
+          <a:bodyPr vert="horz" lIns="91440" tIns="45720" rIns="91440" bIns="45720" rtlCol="0" anchor="b"/>
+          <a:lstStyle>
+            <a:lvl1pPr algn="l">
+              <a:defRPr sz="1200"/>
+            </a:lvl1pPr>
+          </a:lstStyle>
+          <a:p>
+            <a:endParaRPr lang="en-US"/>
+          </a:p>
+        </p:txBody>
+      </p:sp>
+      <p:sp>
+        <p:nvSpPr>
+          <p:cNvPr id="7" name="Slide Number Placeholder 6"/>
+          <p:cNvSpPr>
+            <a:spLocks noGrp="1"/>
+          </p:cNvSpPr>
+          <p:nvPr>
+            <p:ph type="sldNum" sz="quarter" idx="5"/>
+          </p:nvPr>
+        </p:nvSpPr>
+        <p:spPr>
+          <a:xfrm>
+            <a:off x="3884613" y="8685213"/>
+            <a:ext cx="2971800" cy="458787"/>
+          </a:xfrm>
+          <a:prstGeom prst="rect">
+            <a:avLst/>
+          </a:prstGeom>
+        </p:spPr>
+        <p:txBody>
+          <a:bodyPr vert="horz" lIns="91440" tIns="45720" rIns="91440" bIns="45720" rtlCol="0" anchor="b"/>
+          <a:lstStyle>
+            <a:lvl1pPr algn="r">
+              <a:defRPr sz="1200"/>
+            </a:lvl1pPr>
+          </a:lstStyle>
+          <a:p>
+            <a:fld id="{B9A3AB1C-5F3A-4E9D-A36F-93D2B26718DE}" type="slidenum">
+              <a:rPr lang="en-US" smtClean="0"/>
+              <a:t>‹#›</a:t>
+            </a:fld>
+            <a:endParaRPr lang="en-US"/>
+          </a:p>
+        </p:txBody>
+      </p:sp>
+    </p:spTree>
+    <p:extLst>
+      <p:ext uri="{BB962C8B-B14F-4D97-AF65-F5344CB8AC3E}">
+        <p14:creationId xmlns:p14="http://schemas.microsoft.com/office/powerpoint/2010/main" val="238850939"/>
+      </p:ext>
+    </p:extLst>
+  </p:cSld>
+  <p:clrMap bg1="lt1" tx1="dk1" bg2="lt2" tx2="dk2" accent1="accent1" accent2="accent2" accent3="accent3" accent4="accent4" accent5="accent5" accent6="accent6" hlink="hlink" folHlink="folHlink"/>
+  <p:notesStyle>
+    <a:lvl1pPr marL="0" algn="l" defTabSz="914400" rtl="0" eaLnBrk="1" latinLnBrk="0" hangingPunct="1">
+      <a:defRPr sz="1200" kern="1200">
+        <a:solidFill>
+          <a:schemeClr val="tx1"/>
+        </a:solidFill>
+        <a:latin typeface="+mn-lt"/>
+        <a:ea typeface="+mn-ea"/>
+        <a:cs typeface="+mn-cs"/>
+      </a:defRPr>
+    </a:lvl1pPr>
+    <a:lvl2pPr marL="457200" algn="l" defTabSz="914400" rtl="0" eaLnBrk="1" latinLnBrk="0" hangingPunct="1">
+      <a:defRPr sz="1200" kern="1200">
+        <a:solidFill>
+          <a:schemeClr val="tx1"/>
+        </a:solidFill>
+        <a:latin typeface="+mn-lt"/>
+        <a:ea typeface="+mn-ea"/>
+        <a:cs typeface="+mn-cs"/>
+      </a:defRPr>
+    </a:lvl2pPr>
+    <a:lvl3pPr marL="914400" algn="l" defTabSz="914400" rtl="0" eaLnBrk="1" latinLnBrk="0" hangingPunct="1">
+      <a:defRPr sz="1200" kern="1200">
+        <a:solidFill>
+          <a:schemeClr val="tx1"/>
+        </a:solidFill>
+        <a:latin typeface="+mn-lt"/>
+        <a:ea typeface="+mn-ea"/>
+        <a:cs typeface="+mn-cs"/>
+      </a:defRPr>
+    </a:lvl3pPr>
+    <a:lvl4pPr marL="1371600" algn="l" defTabSz="914400" rtl="0" eaLnBrk="1" latinLnBrk="0" hangingPunct="1">
+      <a:defRPr sz="1200" kern="1200">
+        <a:solidFill>
+          <a:schemeClr val="tx1"/>
+        </a:solidFill>
+        <a:latin typeface="+mn-lt"/>
+        <a:ea typeface="+mn-ea"/>
+        <a:cs typeface="+mn-cs"/>
+      </a:defRPr>
+    </a:lvl4pPr>
+    <a:lvl5pPr marL="1828800" algn="l" defTabSz="914400" rtl="0" eaLnBrk="1" latinLnBrk="0" hangingPunct="1">
+      <a:defRPr sz="1200" kern="1200">
+        <a:solidFill>
+          <a:schemeClr val="tx1"/>
+        </a:solidFill>
+        <a:latin typeface="+mn-lt"/>
+        <a:ea typeface="+mn-ea"/>
+        <a:cs typeface="+mn-cs"/>
+      </a:defRPr>
+    </a:lvl5pPr>
+    <a:lvl6pPr marL="2286000" algn="l" defTabSz="914400" rtl="0" eaLnBrk="1" latinLnBrk="0" hangingPunct="1">
+      <a:defRPr sz="1200" kern="1200">
+        <a:solidFill>
+          <a:schemeClr val="tx1"/>
+        </a:solidFill>
+        <a:latin typeface="+mn-lt"/>
+        <a:ea typeface="+mn-ea"/>
+        <a:cs typeface="+mn-cs"/>
+      </a:defRPr>
+    </a:lvl6pPr>
+    <a:lvl7pPr marL="2743200" algn="l" defTabSz="914400" rtl="0" eaLnBrk="1" latinLnBrk="0" hangingPunct="1">
+      <a:defRPr sz="1200" kern="1200">
+        <a:solidFill>
+          <a:schemeClr val="tx1"/>
+        </a:solidFill>
+        <a:latin typeface="+mn-lt"/>
+        <a:ea typeface="+mn-ea"/>
+        <a:cs typeface="+mn-cs"/>
+      </a:defRPr>
+    </a:lvl7pPr>
+    <a:lvl8pPr marL="3200400" algn="l" defTabSz="914400" rtl="0" eaLnBrk="1" latinLnBrk="0" hangingPunct="1">
+      <a:defRPr sz="1200" kern="1200">
+        <a:solidFill>
+          <a:schemeClr val="tx1"/>
+        </a:solidFill>
+        <a:latin typeface="+mn-lt"/>
+        <a:ea typeface="+mn-ea"/>
+        <a:cs typeface="+mn-cs"/>
+      </a:defRPr>
+    </a:lvl8pPr>
+    <a:lvl9pPr marL="3657600" algn="l" defTabSz="914400" rtl="0" eaLnBrk="1" latinLnBrk="0" hangingPunct="1">
+      <a:defRPr sz="1200" kern="1200">
+        <a:solidFill>
+          <a:schemeClr val="tx1"/>
+        </a:solidFill>
+        <a:latin typeface="+mn-lt"/>
+        <a:ea typeface="+mn-ea"/>
+        <a:cs typeface="+mn-cs"/>
+      </a:defRPr>
+    </a:lvl9pPr>
+  </p:notesStyle>
+</p:notesMaster>
+</file>
+
 <file path=ppt/slideLayouts/slideLayout1.xml><?xml version="1.0" encoding="utf-8"?>
 <p:sldLayout xmlns:a="http://schemas.openxmlformats.org/drawingml/2006/main" xmlns:r="http://schemas.openxmlformats.org/officeDocument/2006/relationships" xmlns:p="http://schemas.openxmlformats.org/presentationml/2006/main" type="title" preserve="1">
   <p:cSld name="Title Slide">
@@ -265,7 +618,7 @@
           <a:p>
             <a:fld id="{403E8505-BA89-45F5-863D-2E83AD0A0567}" type="datetimeFigureOut">
               <a:rPr lang="en-US" smtClean="0"/>
-              <a:t>1/5/2021</a:t>
+              <a:t>1/16/2021</a:t>
             </a:fld>
             <a:endParaRPr lang="en-US"/>
           </a:p>
@@ -463,7 +816,7 @@
           <a:p>
             <a:fld id="{403E8505-BA89-45F5-863D-2E83AD0A0567}" type="datetimeFigureOut">
               <a:rPr lang="en-US" smtClean="0"/>
-              <a:t>1/5/2021</a:t>
+              <a:t>1/16/2021</a:t>
             </a:fld>
             <a:endParaRPr lang="en-US"/>
           </a:p>
@@ -671,7 +1024,7 @@
           <a:p>
             <a:fld id="{403E8505-BA89-45F5-863D-2E83AD0A0567}" type="datetimeFigureOut">
               <a:rPr lang="en-US" smtClean="0"/>
-              <a:t>1/5/2021</a:t>
+              <a:t>1/16/2021</a:t>
             </a:fld>
             <a:endParaRPr lang="en-US"/>
           </a:p>
@@ -869,7 +1222,7 @@
           <a:p>
             <a:fld id="{403E8505-BA89-45F5-863D-2E83AD0A0567}" type="datetimeFigureOut">
               <a:rPr lang="en-US" smtClean="0"/>
-              <a:t>1/5/2021</a:t>
+              <a:t>1/16/2021</a:t>
             </a:fld>
             <a:endParaRPr lang="en-US"/>
           </a:p>
@@ -1144,7 +1497,7 @@
           <a:p>
             <a:fld id="{403E8505-BA89-45F5-863D-2E83AD0A0567}" type="datetimeFigureOut">
               <a:rPr lang="en-US" smtClean="0"/>
-              <a:t>1/5/2021</a:t>
+              <a:t>1/16/2021</a:t>
             </a:fld>
             <a:endParaRPr lang="en-US"/>
           </a:p>
@@ -1409,7 +1762,7 @@
           <a:p>
             <a:fld id="{403E8505-BA89-45F5-863D-2E83AD0A0567}" type="datetimeFigureOut">
               <a:rPr lang="en-US" smtClean="0"/>
-              <a:t>1/5/2021</a:t>
+              <a:t>1/16/2021</a:t>
             </a:fld>
             <a:endParaRPr lang="en-US"/>
           </a:p>
@@ -1821,7 +2174,7 @@
           <a:p>
             <a:fld id="{403E8505-BA89-45F5-863D-2E83AD0A0567}" type="datetimeFigureOut">
               <a:rPr lang="en-US" smtClean="0"/>
-              <a:t>1/5/2021</a:t>
+              <a:t>1/16/2021</a:t>
             </a:fld>
             <a:endParaRPr lang="en-US"/>
           </a:p>
@@ -1962,7 +2315,7 @@
           <a:p>
             <a:fld id="{403E8505-BA89-45F5-863D-2E83AD0A0567}" type="datetimeFigureOut">
               <a:rPr lang="en-US" smtClean="0"/>
-              <a:t>1/5/2021</a:t>
+              <a:t>1/16/2021</a:t>
             </a:fld>
             <a:endParaRPr lang="en-US"/>
           </a:p>
@@ -2075,7 +2428,7 @@
           <a:p>
             <a:fld id="{403E8505-BA89-45F5-863D-2E83AD0A0567}" type="datetimeFigureOut">
               <a:rPr lang="en-US" smtClean="0"/>
-              <a:t>1/5/2021</a:t>
+              <a:t>1/16/2021</a:t>
             </a:fld>
             <a:endParaRPr lang="en-US"/>
           </a:p>
@@ -2386,7 +2739,7 @@
           <a:p>
             <a:fld id="{403E8505-BA89-45F5-863D-2E83AD0A0567}" type="datetimeFigureOut">
               <a:rPr lang="en-US" smtClean="0"/>
-              <a:t>1/5/2021</a:t>
+              <a:t>1/16/2021</a:t>
             </a:fld>
             <a:endParaRPr lang="en-US"/>
           </a:p>
@@ -2674,7 +3027,7 @@
           <a:p>
             <a:fld id="{403E8505-BA89-45F5-863D-2E83AD0A0567}" type="datetimeFigureOut">
               <a:rPr lang="en-US" smtClean="0"/>
-              <a:t>1/5/2021</a:t>
+              <a:t>1/16/2021</a:t>
             </a:fld>
             <a:endParaRPr lang="en-US"/>
           </a:p>
@@ -2915,7 +3268,7 @@
           <a:p>
             <a:fld id="{403E8505-BA89-45F5-863D-2E83AD0A0567}" type="datetimeFigureOut">
               <a:rPr lang="en-US" smtClean="0"/>
-              <a:t>1/5/2021</a:t>
+              <a:t>1/16/2021</a:t>
             </a:fld>
             <a:endParaRPr lang="en-US"/>
           </a:p>
@@ -4272,10 +4625,10 @@
       </p:grpSpPr>
       <p:grpSp>
         <p:nvGrpSpPr>
-          <p:cNvPr id="33" name="Group 32">
+          <p:cNvPr id="36" name="Group 35">
             <a:extLst>
               <a:ext uri="{FF2B5EF4-FFF2-40B4-BE49-F238E27FC236}">
-                <a16:creationId xmlns:a16="http://schemas.microsoft.com/office/drawing/2014/main" id="{0956E50A-DBDC-4E97-BEA1-CE7ED93C5475}"/>
+                <a16:creationId xmlns:a16="http://schemas.microsoft.com/office/drawing/2014/main" id="{5445FE91-96F5-41C7-A81E-C1A6D6BCDBED}"/>
               </a:ext>
             </a:extLst>
           </p:cNvPr>
@@ -4284,48 +4637,366 @@
         </p:nvGrpSpPr>
         <p:grpSpPr>
           <a:xfrm>
-            <a:off x="4404567" y="600475"/>
-            <a:ext cx="1067985" cy="1315616"/>
-            <a:chOff x="5670309" y="646258"/>
-            <a:chExt cx="1067985" cy="1315616"/>
+            <a:off x="2768178" y="877311"/>
+            <a:ext cx="5338518" cy="4612138"/>
+            <a:chOff x="134035" y="600475"/>
+            <a:chExt cx="5338518" cy="4612138"/>
           </a:xfrm>
         </p:grpSpPr>
-        <p:pic>
-          <p:nvPicPr>
-            <p:cNvPr id="5" name="Picture 4">
+        <p:grpSp>
+          <p:nvGrpSpPr>
+            <p:cNvPr id="33" name="Group 32">
               <a:extLst>
                 <a:ext uri="{FF2B5EF4-FFF2-40B4-BE49-F238E27FC236}">
-                  <a16:creationId xmlns:a16="http://schemas.microsoft.com/office/drawing/2014/main" id="{D3C78D34-F0CF-4B44-B50F-D1B3FFE8FD4A}"/>
+                  <a16:creationId xmlns:a16="http://schemas.microsoft.com/office/drawing/2014/main" id="{0956E50A-DBDC-4E97-BEA1-CE7ED93C5475}"/>
                 </a:ext>
               </a:extLst>
             </p:cNvPr>
-            <p:cNvPicPr>
-              <a:picLocks noChangeAspect="1"/>
-            </p:cNvPicPr>
+            <p:cNvGrpSpPr/>
             <p:nvPr/>
-          </p:nvPicPr>
-          <p:blipFill>
-            <a:blip r:embed="rId2"/>
-            <a:stretch>
-              <a:fillRect/>
-            </a:stretch>
-          </p:blipFill>
-          <p:spPr>
+          </p:nvGrpSpPr>
+          <p:grpSpPr>
             <a:xfrm>
-              <a:off x="5670309" y="1078635"/>
-              <a:ext cx="1067985" cy="883239"/>
+              <a:off x="4404567" y="600475"/>
+              <a:ext cx="1067985" cy="1315616"/>
+              <a:chOff x="5670309" y="646258"/>
+              <a:chExt cx="1067985" cy="1315616"/>
             </a:xfrm>
-            <a:prstGeom prst="rect">
-              <a:avLst/>
-            </a:prstGeom>
-          </p:spPr>
-        </p:pic>
+          </p:grpSpPr>
+          <p:pic>
+            <p:nvPicPr>
+              <p:cNvPr id="5" name="Picture 4">
+                <a:extLst>
+                  <a:ext uri="{FF2B5EF4-FFF2-40B4-BE49-F238E27FC236}">
+                    <a16:creationId xmlns:a16="http://schemas.microsoft.com/office/drawing/2014/main" id="{D3C78D34-F0CF-4B44-B50F-D1B3FFE8FD4A}"/>
+                  </a:ext>
+                </a:extLst>
+              </p:cNvPr>
+              <p:cNvPicPr>
+                <a:picLocks noChangeAspect="1"/>
+              </p:cNvPicPr>
+              <p:nvPr/>
+            </p:nvPicPr>
+            <p:blipFill>
+              <a:blip r:embed="rId2"/>
+              <a:stretch>
+                <a:fillRect/>
+              </a:stretch>
+            </p:blipFill>
+            <p:spPr>
+              <a:xfrm>
+                <a:off x="5670309" y="1078635"/>
+                <a:ext cx="1067985" cy="883239"/>
+              </a:xfrm>
+              <a:prstGeom prst="rect">
+                <a:avLst/>
+              </a:prstGeom>
+            </p:spPr>
+          </p:pic>
+          <p:sp>
+            <p:nvSpPr>
+              <p:cNvPr id="8" name="TextBox 7">
+                <a:extLst>
+                  <a:ext uri="{FF2B5EF4-FFF2-40B4-BE49-F238E27FC236}">
+                    <a16:creationId xmlns:a16="http://schemas.microsoft.com/office/drawing/2014/main" id="{0FBBFD70-56D5-4EC5-8C75-5E15B12015CB}"/>
+                  </a:ext>
+                </a:extLst>
+              </p:cNvPr>
+              <p:cNvSpPr txBox="1"/>
+              <p:nvPr/>
+            </p:nvSpPr>
+            <p:spPr>
+              <a:xfrm>
+                <a:off x="5769994" y="646258"/>
+                <a:ext cx="905094" cy="369332"/>
+              </a:xfrm>
+              <a:prstGeom prst="rect">
+                <a:avLst/>
+              </a:prstGeom>
+              <a:noFill/>
+            </p:spPr>
+            <p:txBody>
+              <a:bodyPr wrap="square" rtlCol="0">
+                <a:spAutoFit/>
+              </a:bodyPr>
+              <a:lstStyle/>
+              <a:p>
+                <a:r>
+                  <a:rPr lang="en-US" u="sng" dirty="0"/>
+                  <a:t>Shard A</a:t>
+                </a:r>
+              </a:p>
+            </p:txBody>
+          </p:sp>
+        </p:grpSp>
+        <p:grpSp>
+          <p:nvGrpSpPr>
+            <p:cNvPr id="34" name="Group 33">
+              <a:extLst>
+                <a:ext uri="{FF2B5EF4-FFF2-40B4-BE49-F238E27FC236}">
+                  <a16:creationId xmlns:a16="http://schemas.microsoft.com/office/drawing/2014/main" id="{60B48F37-BF9B-4CFD-9C05-EA6D2E37F182}"/>
+                </a:ext>
+              </a:extLst>
+            </p:cNvPr>
+            <p:cNvGrpSpPr/>
+            <p:nvPr/>
+          </p:nvGrpSpPr>
+          <p:grpSpPr>
+            <a:xfrm>
+              <a:off x="4328720" y="3840624"/>
+              <a:ext cx="1067985" cy="1252571"/>
+              <a:chOff x="5670309" y="4363089"/>
+              <a:chExt cx="1067985" cy="1252571"/>
+            </a:xfrm>
+          </p:grpSpPr>
+          <p:pic>
+            <p:nvPicPr>
+              <p:cNvPr id="7" name="Picture 6">
+                <a:extLst>
+                  <a:ext uri="{FF2B5EF4-FFF2-40B4-BE49-F238E27FC236}">
+                    <a16:creationId xmlns:a16="http://schemas.microsoft.com/office/drawing/2014/main" id="{15740D48-1711-44B9-B64F-51CA7B5EEFB3}"/>
+                  </a:ext>
+                </a:extLst>
+              </p:cNvPr>
+              <p:cNvPicPr>
+                <a:picLocks noChangeAspect="1"/>
+              </p:cNvPicPr>
+              <p:nvPr/>
+            </p:nvPicPr>
+            <p:blipFill>
+              <a:blip r:embed="rId2"/>
+              <a:stretch>
+                <a:fillRect/>
+              </a:stretch>
+            </p:blipFill>
+            <p:spPr>
+              <a:xfrm>
+                <a:off x="5670309" y="4732421"/>
+                <a:ext cx="1067985" cy="883239"/>
+              </a:xfrm>
+              <a:prstGeom prst="rect">
+                <a:avLst/>
+              </a:prstGeom>
+            </p:spPr>
+          </p:pic>
+          <p:sp>
+            <p:nvSpPr>
+              <p:cNvPr id="10" name="TextBox 9">
+                <a:extLst>
+                  <a:ext uri="{FF2B5EF4-FFF2-40B4-BE49-F238E27FC236}">
+                    <a16:creationId xmlns:a16="http://schemas.microsoft.com/office/drawing/2014/main" id="{09A7C8FA-7189-49E0-9673-38A38EBC6FFD}"/>
+                  </a:ext>
+                </a:extLst>
+              </p:cNvPr>
+              <p:cNvSpPr txBox="1"/>
+              <p:nvPr/>
+            </p:nvSpPr>
+            <p:spPr>
+              <a:xfrm>
+                <a:off x="5818762" y="4363089"/>
+                <a:ext cx="919532" cy="369332"/>
+              </a:xfrm>
+              <a:prstGeom prst="rect">
+                <a:avLst/>
+              </a:prstGeom>
+              <a:noFill/>
+            </p:spPr>
+            <p:txBody>
+              <a:bodyPr wrap="square" rtlCol="0">
+                <a:spAutoFit/>
+              </a:bodyPr>
+              <a:lstStyle/>
+              <a:p>
+                <a:r>
+                  <a:rPr lang="en-US" u="sng" dirty="0"/>
+                  <a:t>Shard C</a:t>
+                </a:r>
+              </a:p>
+            </p:txBody>
+          </p:sp>
+        </p:grpSp>
+        <p:grpSp>
+          <p:nvGrpSpPr>
+            <p:cNvPr id="46" name="Group 45">
+              <a:extLst>
+                <a:ext uri="{FF2B5EF4-FFF2-40B4-BE49-F238E27FC236}">
+                  <a16:creationId xmlns:a16="http://schemas.microsoft.com/office/drawing/2014/main" id="{BBBB83DD-72C6-456D-8EF4-3DCDC07DD464}"/>
+                </a:ext>
+              </a:extLst>
+            </p:cNvPr>
+            <p:cNvGrpSpPr/>
+            <p:nvPr/>
+          </p:nvGrpSpPr>
+          <p:grpSpPr>
+            <a:xfrm>
+              <a:off x="4404568" y="2225226"/>
+              <a:ext cx="1067985" cy="1257063"/>
+              <a:chOff x="4404568" y="2225226"/>
+              <a:chExt cx="1067985" cy="1257063"/>
+            </a:xfrm>
+          </p:grpSpPr>
+          <p:sp>
+            <p:nvSpPr>
+              <p:cNvPr id="9" name="TextBox 8">
+                <a:extLst>
+                  <a:ext uri="{FF2B5EF4-FFF2-40B4-BE49-F238E27FC236}">
+                    <a16:creationId xmlns:a16="http://schemas.microsoft.com/office/drawing/2014/main" id="{20E71859-6F22-41A3-9B95-9D5F5FC7FF8A}"/>
+                  </a:ext>
+                </a:extLst>
+              </p:cNvPr>
+              <p:cNvSpPr txBox="1"/>
+              <p:nvPr/>
+            </p:nvSpPr>
+            <p:spPr>
+              <a:xfrm>
+                <a:off x="4472026" y="2225226"/>
+                <a:ext cx="931816" cy="369332"/>
+              </a:xfrm>
+              <a:prstGeom prst="rect">
+                <a:avLst/>
+              </a:prstGeom>
+              <a:noFill/>
+            </p:spPr>
+            <p:txBody>
+              <a:bodyPr wrap="square" rtlCol="0">
+                <a:spAutoFit/>
+              </a:bodyPr>
+              <a:lstStyle/>
+              <a:p>
+                <a:r>
+                  <a:rPr lang="en-US" u="sng" dirty="0"/>
+                  <a:t>Shard B</a:t>
+                </a:r>
+              </a:p>
+            </p:txBody>
+          </p:sp>
+          <p:pic>
+            <p:nvPicPr>
+              <p:cNvPr id="6" name="Picture 5">
+                <a:extLst>
+                  <a:ext uri="{FF2B5EF4-FFF2-40B4-BE49-F238E27FC236}">
+                    <a16:creationId xmlns:a16="http://schemas.microsoft.com/office/drawing/2014/main" id="{A47E2171-E78D-4B06-820D-A254552FF7CA}"/>
+                  </a:ext>
+                </a:extLst>
+              </p:cNvPr>
+              <p:cNvPicPr>
+                <a:picLocks noChangeAspect="1"/>
+              </p:cNvPicPr>
+              <p:nvPr/>
+            </p:nvPicPr>
+            <p:blipFill>
+              <a:blip r:embed="rId2"/>
+              <a:stretch>
+                <a:fillRect/>
+              </a:stretch>
+            </p:blipFill>
+            <p:spPr>
+              <a:xfrm>
+                <a:off x="4404568" y="2599050"/>
+                <a:ext cx="1067985" cy="883239"/>
+              </a:xfrm>
+              <a:prstGeom prst="rect">
+                <a:avLst/>
+              </a:prstGeom>
+            </p:spPr>
+          </p:pic>
+        </p:grpSp>
+        <p:grpSp>
+          <p:nvGrpSpPr>
+            <p:cNvPr id="22" name="Group 21">
+              <a:extLst>
+                <a:ext uri="{FF2B5EF4-FFF2-40B4-BE49-F238E27FC236}">
+                  <a16:creationId xmlns:a16="http://schemas.microsoft.com/office/drawing/2014/main" id="{89AEAEBE-D4C7-4EF3-B168-B12009451804}"/>
+                </a:ext>
+              </a:extLst>
+            </p:cNvPr>
+            <p:cNvGrpSpPr/>
+            <p:nvPr/>
+          </p:nvGrpSpPr>
+          <p:grpSpPr>
+            <a:xfrm>
+              <a:off x="1809499" y="2146087"/>
+              <a:ext cx="1717820" cy="1324858"/>
+              <a:chOff x="1136456" y="2939639"/>
+              <a:chExt cx="1717820" cy="1324858"/>
+            </a:xfrm>
+          </p:grpSpPr>
+          <p:sp>
+            <p:nvSpPr>
+              <p:cNvPr id="11" name="TextBox 10">
+                <a:extLst>
+                  <a:ext uri="{FF2B5EF4-FFF2-40B4-BE49-F238E27FC236}">
+                    <a16:creationId xmlns:a16="http://schemas.microsoft.com/office/drawing/2014/main" id="{A25F7B61-8003-4CDE-B795-2FCAE1895F2F}"/>
+                  </a:ext>
+                </a:extLst>
+              </p:cNvPr>
+              <p:cNvSpPr txBox="1"/>
+              <p:nvPr/>
+            </p:nvSpPr>
+            <p:spPr>
+              <a:xfrm>
+                <a:off x="1136456" y="2939639"/>
+                <a:ext cx="1717820" cy="369332"/>
+              </a:xfrm>
+              <a:prstGeom prst="rect">
+                <a:avLst/>
+              </a:prstGeom>
+              <a:noFill/>
+              <a:ln>
+                <a:noFill/>
+              </a:ln>
+            </p:spPr>
+            <p:txBody>
+              <a:bodyPr wrap="square" rtlCol="0">
+                <a:spAutoFit/>
+              </a:bodyPr>
+              <a:lstStyle/>
+              <a:p>
+                <a:pPr algn="ctr"/>
+                <a:r>
+                  <a:rPr lang="en-US" u="sng" dirty="0"/>
+                  <a:t>Load balancer</a:t>
+                </a:r>
+              </a:p>
+            </p:txBody>
+          </p:sp>
+          <p:pic>
+            <p:nvPicPr>
+              <p:cNvPr id="48" name="Picture 47">
+                <a:extLst>
+                  <a:ext uri="{FF2B5EF4-FFF2-40B4-BE49-F238E27FC236}">
+                    <a16:creationId xmlns:a16="http://schemas.microsoft.com/office/drawing/2014/main" id="{D48966A2-F986-43E5-A39E-A9508F3B91BF}"/>
+                  </a:ext>
+                </a:extLst>
+              </p:cNvPr>
+              <p:cNvPicPr>
+                <a:picLocks noChangeAspect="1"/>
+              </p:cNvPicPr>
+              <p:nvPr/>
+            </p:nvPicPr>
+            <p:blipFill>
+              <a:blip r:embed="rId2"/>
+              <a:stretch>
+                <a:fillRect/>
+              </a:stretch>
+            </p:blipFill>
+            <p:spPr>
+              <a:xfrm>
+                <a:off x="1346375" y="3381258"/>
+                <a:ext cx="1067985" cy="883239"/>
+              </a:xfrm>
+              <a:prstGeom prst="rect">
+                <a:avLst/>
+              </a:prstGeom>
+            </p:spPr>
+          </p:pic>
+        </p:grpSp>
         <p:sp>
           <p:nvSpPr>
-            <p:cNvPr id="8" name="TextBox 7">
+            <p:cNvPr id="2" name="TextBox 1">
               <a:extLst>
                 <a:ext uri="{FF2B5EF4-FFF2-40B4-BE49-F238E27FC236}">
-                  <a16:creationId xmlns:a16="http://schemas.microsoft.com/office/drawing/2014/main" id="{0FBBFD70-56D5-4EC5-8C75-5E15B12015CB}"/>
+                  <a16:creationId xmlns:a16="http://schemas.microsoft.com/office/drawing/2014/main" id="{8B545916-3FA8-4506-AB58-D3ACE4908589}"/>
                 </a:ext>
               </a:extLst>
             </p:cNvPr>
@@ -4334,7 +5005,7 @@
           </p:nvSpPr>
           <p:spPr>
             <a:xfrm>
-              <a:off x="5769994" y="646258"/>
+              <a:off x="134035" y="2848142"/>
               <a:ext cx="868611" cy="369332"/>
             </a:xfrm>
             <a:prstGeom prst="rect">
@@ -4350,68 +5021,17 @@
             <a:p>
               <a:r>
                 <a:rPr lang="en-US" u="sng" dirty="0"/>
-                <a:t>City A</a:t>
+                <a:t>client</a:t>
               </a:r>
             </a:p>
           </p:txBody>
         </p:sp>
-      </p:grpSp>
-      <p:grpSp>
-        <p:nvGrpSpPr>
-          <p:cNvPr id="34" name="Group 33">
-            <a:extLst>
-              <a:ext uri="{FF2B5EF4-FFF2-40B4-BE49-F238E27FC236}">
-                <a16:creationId xmlns:a16="http://schemas.microsoft.com/office/drawing/2014/main" id="{60B48F37-BF9B-4CFD-9C05-EA6D2E37F182}"/>
-              </a:ext>
-            </a:extLst>
-          </p:cNvPr>
-          <p:cNvGrpSpPr/>
-          <p:nvPr/>
-        </p:nvGrpSpPr>
-        <p:grpSpPr>
-          <a:xfrm>
-            <a:off x="4328720" y="3840624"/>
-            <a:ext cx="1067985" cy="1252571"/>
-            <a:chOff x="5670309" y="4363089"/>
-            <a:chExt cx="1067985" cy="1252571"/>
-          </a:xfrm>
-        </p:grpSpPr>
-        <p:pic>
-          <p:nvPicPr>
-            <p:cNvPr id="7" name="Picture 6">
+        <p:sp>
+          <p:nvSpPr>
+            <p:cNvPr id="30" name="TextBox 29">
               <a:extLst>
                 <a:ext uri="{FF2B5EF4-FFF2-40B4-BE49-F238E27FC236}">
-                  <a16:creationId xmlns:a16="http://schemas.microsoft.com/office/drawing/2014/main" id="{15740D48-1711-44B9-B64F-51CA7B5EEFB3}"/>
-                </a:ext>
-              </a:extLst>
-            </p:cNvPr>
-            <p:cNvPicPr>
-              <a:picLocks noChangeAspect="1"/>
-            </p:cNvPicPr>
-            <p:nvPr/>
-          </p:nvPicPr>
-          <p:blipFill>
-            <a:blip r:embed="rId2"/>
-            <a:stretch>
-              <a:fillRect/>
-            </a:stretch>
-          </p:blipFill>
-          <p:spPr>
-            <a:xfrm>
-              <a:off x="5670309" y="4732421"/>
-              <a:ext cx="1067985" cy="883239"/>
-            </a:xfrm>
-            <a:prstGeom prst="rect">
-              <a:avLst/>
-            </a:prstGeom>
-          </p:spPr>
-        </p:pic>
-        <p:sp>
-          <p:nvSpPr>
-            <p:cNvPr id="10" name="TextBox 9">
-              <a:extLst>
-                <a:ext uri="{FF2B5EF4-FFF2-40B4-BE49-F238E27FC236}">
-                  <a16:creationId xmlns:a16="http://schemas.microsoft.com/office/drawing/2014/main" id="{09A7C8FA-7189-49E0-9673-38A38EBC6FFD}"/>
+                  <a16:creationId xmlns:a16="http://schemas.microsoft.com/office/drawing/2014/main" id="{B45562DB-5114-4701-998A-23705DCE1FFE}"/>
                 </a:ext>
               </a:extLst>
             </p:cNvPr>
@@ -4420,8 +5040,8 @@
           </p:nvSpPr>
           <p:spPr>
             <a:xfrm>
-              <a:off x="5831403" y="4363089"/>
-              <a:ext cx="868611" cy="369332"/>
+              <a:off x="1112994" y="2667407"/>
+              <a:ext cx="847288" cy="369332"/>
             </a:xfrm>
             <a:prstGeom prst="rect">
               <a:avLst/>
@@ -4435,119 +5055,18 @@
             <a:lstStyle/>
             <a:p>
               <a:r>
-                <a:rPr lang="en-US" u="sng" dirty="0"/>
-                <a:t>City C</a:t>
+                <a:rPr lang="en-US" dirty="0"/>
+                <a:t>REST</a:t>
               </a:r>
             </a:p>
           </p:txBody>
         </p:sp>
-      </p:grpSp>
-      <p:sp>
-        <p:nvSpPr>
-          <p:cNvPr id="14" name="TextBox 13">
-            <a:extLst>
-              <a:ext uri="{FF2B5EF4-FFF2-40B4-BE49-F238E27FC236}">
-                <a16:creationId xmlns:a16="http://schemas.microsoft.com/office/drawing/2014/main" id="{0F0D212D-5468-4AA4-8B34-B22EEAC28613}"/>
-              </a:ext>
-            </a:extLst>
-          </p:cNvPr>
-          <p:cNvSpPr txBox="1"/>
-          <p:nvPr/>
-        </p:nvSpPr>
-        <p:spPr>
-          <a:xfrm>
-            <a:off x="7089029" y="4771408"/>
-            <a:ext cx="2821604" cy="1477328"/>
-          </a:xfrm>
-          <a:prstGeom prst="rect">
-            <a:avLst/>
-          </a:prstGeom>
-          <a:noFill/>
-          <a:ln>
-            <a:solidFill>
-              <a:schemeClr val="accent1"/>
-            </a:solidFill>
-          </a:ln>
-        </p:spPr>
-        <p:txBody>
-          <a:bodyPr wrap="square" rtlCol="0">
-            <a:spAutoFit/>
-          </a:bodyPr>
-          <a:lstStyle/>
-          <a:p>
-            <a:r>
-              <a:rPr lang="en-US" u="sng" dirty="0"/>
-              <a:t>ZooKeeper</a:t>
-            </a:r>
-          </a:p>
-          <a:p>
-            <a:pPr marL="285750" indent="-285750">
-              <a:buFontTx/>
-              <a:buChar char="-"/>
-            </a:pPr>
-            <a:r>
-              <a:rPr lang="en-US" dirty="0"/>
-              <a:t>Leader election</a:t>
-            </a:r>
-          </a:p>
-          <a:p>
-            <a:pPr marL="285750" indent="-285750">
-              <a:buFontTx/>
-              <a:buChar char="-"/>
-            </a:pPr>
-            <a:r>
-              <a:rPr lang="en-US" dirty="0"/>
-              <a:t>Fd</a:t>
-            </a:r>
-          </a:p>
-          <a:p>
-            <a:pPr marL="285750" indent="-285750">
-              <a:buFontTx/>
-              <a:buChar char="-"/>
-            </a:pPr>
-            <a:r>
-              <a:rPr lang="en-US" dirty="0"/>
-              <a:t>membership service</a:t>
-            </a:r>
-          </a:p>
-          <a:p>
-            <a:pPr marL="285750" indent="-285750">
-              <a:buFontTx/>
-              <a:buChar char="-"/>
-            </a:pPr>
-            <a:r>
-              <a:rPr lang="en-US" dirty="0"/>
-              <a:t>Atomic broadcast</a:t>
-            </a:r>
-          </a:p>
-        </p:txBody>
-      </p:sp>
-      <p:grpSp>
-        <p:nvGrpSpPr>
-          <p:cNvPr id="46" name="Group 45">
-            <a:extLst>
-              <a:ext uri="{FF2B5EF4-FFF2-40B4-BE49-F238E27FC236}">
-                <a16:creationId xmlns:a16="http://schemas.microsoft.com/office/drawing/2014/main" id="{BBBB83DD-72C6-456D-8EF4-3DCDC07DD464}"/>
-              </a:ext>
-            </a:extLst>
-          </p:cNvPr>
-          <p:cNvGrpSpPr/>
-          <p:nvPr/>
-        </p:nvGrpSpPr>
-        <p:grpSpPr>
-          <a:xfrm>
-            <a:off x="4404568" y="2241317"/>
-            <a:ext cx="1067985" cy="1240972"/>
-            <a:chOff x="4404568" y="2241317"/>
-            <a:chExt cx="1067985" cy="1240972"/>
-          </a:xfrm>
-        </p:grpSpPr>
         <p:sp>
           <p:nvSpPr>
-            <p:cNvPr id="9" name="TextBox 8">
+            <p:cNvPr id="45" name="TextBox 44">
               <a:extLst>
                 <a:ext uri="{FF2B5EF4-FFF2-40B4-BE49-F238E27FC236}">
-                  <a16:creationId xmlns:a16="http://schemas.microsoft.com/office/drawing/2014/main" id="{20E71859-6F22-41A3-9B95-9D5F5FC7FF8A}"/>
+                  <a16:creationId xmlns:a16="http://schemas.microsoft.com/office/drawing/2014/main" id="{9AB7C2A7-ECAD-4713-A5F0-C07BDB7EE400}"/>
                 </a:ext>
               </a:extLst>
             </p:cNvPr>
@@ -4556,8 +5075,8 @@
           </p:nvSpPr>
           <p:spPr>
             <a:xfrm>
-              <a:off x="4540735" y="2241317"/>
-              <a:ext cx="868611" cy="369332"/>
+              <a:off x="3527319" y="2623850"/>
+              <a:ext cx="847288" cy="369332"/>
             </a:xfrm>
             <a:prstGeom prst="rect">
               <a:avLst/>
@@ -4571,532 +5090,327 @@
             <a:lstStyle/>
             <a:p>
               <a:r>
-                <a:rPr lang="en-US" u="sng" dirty="0"/>
-                <a:t>City B</a:t>
+                <a:rPr lang="en-US" dirty="0" err="1"/>
+                <a:t>gRPC</a:t>
               </a:r>
+              <a:endParaRPr lang="en-US" dirty="0"/>
             </a:p>
           </p:txBody>
         </p:sp>
+        <p:cxnSp>
+          <p:nvCxnSpPr>
+            <p:cNvPr id="49" name="Straight Arrow Connector 48">
+              <a:extLst>
+                <a:ext uri="{FF2B5EF4-FFF2-40B4-BE49-F238E27FC236}">
+                  <a16:creationId xmlns:a16="http://schemas.microsoft.com/office/drawing/2014/main" id="{96F85F11-9D13-4D17-9261-8D18B6926043}"/>
+                </a:ext>
+              </a:extLst>
+            </p:cNvPr>
+            <p:cNvCxnSpPr>
+              <a:stCxn id="2" idx="3"/>
+              <a:endCxn id="48" idx="1"/>
+            </p:cNvCxnSpPr>
+            <p:nvPr/>
+          </p:nvCxnSpPr>
+          <p:spPr>
+            <a:xfrm flipV="1">
+              <a:off x="1002646" y="3029326"/>
+              <a:ext cx="1016772" cy="3482"/>
+            </a:xfrm>
+            <a:prstGeom prst="straightConnector1">
+              <a:avLst/>
+            </a:prstGeom>
+            <a:ln>
+              <a:headEnd type="triangle"/>
+              <a:tailEnd type="triangle"/>
+            </a:ln>
+          </p:spPr>
+          <p:style>
+            <a:lnRef idx="1">
+              <a:schemeClr val="accent1"/>
+            </a:lnRef>
+            <a:fillRef idx="0">
+              <a:schemeClr val="accent1"/>
+            </a:fillRef>
+            <a:effectRef idx="0">
+              <a:schemeClr val="accent1"/>
+            </a:effectRef>
+            <a:fontRef idx="minor">
+              <a:schemeClr val="tx1"/>
+            </a:fontRef>
+          </p:style>
+        </p:cxnSp>
+        <p:cxnSp>
+          <p:nvCxnSpPr>
+            <p:cNvPr id="50" name="Straight Arrow Connector 49">
+              <a:extLst>
+                <a:ext uri="{FF2B5EF4-FFF2-40B4-BE49-F238E27FC236}">
+                  <a16:creationId xmlns:a16="http://schemas.microsoft.com/office/drawing/2014/main" id="{26F02EE4-E152-464F-A1FE-E2D762C064BB}"/>
+                </a:ext>
+              </a:extLst>
+            </p:cNvPr>
+            <p:cNvCxnSpPr>
+              <a:cxnSpLocks/>
+              <a:stCxn id="48" idx="3"/>
+              <a:endCxn id="5" idx="1"/>
+            </p:cNvCxnSpPr>
+            <p:nvPr/>
+          </p:nvCxnSpPr>
+          <p:spPr>
+            <a:xfrm flipV="1">
+              <a:off x="3087403" y="1474472"/>
+              <a:ext cx="1317164" cy="1554854"/>
+            </a:xfrm>
+            <a:prstGeom prst="straightConnector1">
+              <a:avLst/>
+            </a:prstGeom>
+            <a:ln>
+              <a:headEnd type="triangle"/>
+              <a:tailEnd type="triangle"/>
+            </a:ln>
+          </p:spPr>
+          <p:style>
+            <a:lnRef idx="1">
+              <a:schemeClr val="accent1"/>
+            </a:lnRef>
+            <a:fillRef idx="0">
+              <a:schemeClr val="accent1"/>
+            </a:fillRef>
+            <a:effectRef idx="0">
+              <a:schemeClr val="accent1"/>
+            </a:effectRef>
+            <a:fontRef idx="minor">
+              <a:schemeClr val="tx1"/>
+            </a:fontRef>
+          </p:style>
+        </p:cxnSp>
+        <p:cxnSp>
+          <p:nvCxnSpPr>
+            <p:cNvPr id="51" name="Straight Arrow Connector 50">
+              <a:extLst>
+                <a:ext uri="{FF2B5EF4-FFF2-40B4-BE49-F238E27FC236}">
+                  <a16:creationId xmlns:a16="http://schemas.microsoft.com/office/drawing/2014/main" id="{5F8F1641-BEB8-460F-8105-313235632872}"/>
+                </a:ext>
+              </a:extLst>
+            </p:cNvPr>
+            <p:cNvCxnSpPr>
+              <a:cxnSpLocks/>
+              <a:stCxn id="48" idx="3"/>
+              <a:endCxn id="6" idx="1"/>
+            </p:cNvCxnSpPr>
+            <p:nvPr/>
+          </p:nvCxnSpPr>
+          <p:spPr>
+            <a:xfrm>
+              <a:off x="3087403" y="3029326"/>
+              <a:ext cx="1317165" cy="11344"/>
+            </a:xfrm>
+            <a:prstGeom prst="straightConnector1">
+              <a:avLst/>
+            </a:prstGeom>
+            <a:ln>
+              <a:headEnd type="triangle"/>
+              <a:tailEnd type="triangle"/>
+            </a:ln>
+          </p:spPr>
+          <p:style>
+            <a:lnRef idx="1">
+              <a:schemeClr val="accent1"/>
+            </a:lnRef>
+            <a:fillRef idx="0">
+              <a:schemeClr val="accent1"/>
+            </a:fillRef>
+            <a:effectRef idx="0">
+              <a:schemeClr val="accent1"/>
+            </a:effectRef>
+            <a:fontRef idx="minor">
+              <a:schemeClr val="tx1"/>
+            </a:fontRef>
+          </p:style>
+        </p:cxnSp>
+        <p:cxnSp>
+          <p:nvCxnSpPr>
+            <p:cNvPr id="52" name="Straight Arrow Connector 51">
+              <a:extLst>
+                <a:ext uri="{FF2B5EF4-FFF2-40B4-BE49-F238E27FC236}">
+                  <a16:creationId xmlns:a16="http://schemas.microsoft.com/office/drawing/2014/main" id="{EA4F30C8-0478-470B-8DCC-FEDC2C5F77B8}"/>
+                </a:ext>
+              </a:extLst>
+            </p:cNvPr>
+            <p:cNvCxnSpPr>
+              <a:cxnSpLocks/>
+              <a:stCxn id="48" idx="3"/>
+              <a:endCxn id="7" idx="1"/>
+            </p:cNvCxnSpPr>
+            <p:nvPr/>
+          </p:nvCxnSpPr>
+          <p:spPr>
+            <a:xfrm>
+              <a:off x="3087403" y="3029326"/>
+              <a:ext cx="1241317" cy="1622250"/>
+            </a:xfrm>
+            <a:prstGeom prst="straightConnector1">
+              <a:avLst/>
+            </a:prstGeom>
+            <a:ln>
+              <a:headEnd type="triangle"/>
+              <a:tailEnd type="triangle"/>
+            </a:ln>
+          </p:spPr>
+          <p:style>
+            <a:lnRef idx="1">
+              <a:schemeClr val="accent1"/>
+            </a:lnRef>
+            <a:fillRef idx="0">
+              <a:schemeClr val="accent1"/>
+            </a:fillRef>
+            <a:effectRef idx="0">
+              <a:schemeClr val="accent1"/>
+            </a:effectRef>
+            <a:fontRef idx="minor">
+              <a:schemeClr val="tx1"/>
+            </a:fontRef>
+          </p:style>
+        </p:cxnSp>
+        <p:cxnSp>
+          <p:nvCxnSpPr>
+            <p:cNvPr id="62" name="Straight Arrow Connector 61">
+              <a:extLst>
+                <a:ext uri="{FF2B5EF4-FFF2-40B4-BE49-F238E27FC236}">
+                  <a16:creationId xmlns:a16="http://schemas.microsoft.com/office/drawing/2014/main" id="{A9381F24-4C8D-4672-8ABB-60379940D6CE}"/>
+                </a:ext>
+              </a:extLst>
+            </p:cNvPr>
+            <p:cNvCxnSpPr>
+              <a:cxnSpLocks/>
+              <a:stCxn id="5" idx="2"/>
+              <a:endCxn id="9" idx="0"/>
+            </p:cNvCxnSpPr>
+            <p:nvPr/>
+          </p:nvCxnSpPr>
+          <p:spPr>
+            <a:xfrm flipH="1">
+              <a:off x="4937934" y="1916091"/>
+              <a:ext cx="626" cy="309135"/>
+            </a:xfrm>
+            <a:prstGeom prst="straightConnector1">
+              <a:avLst/>
+            </a:prstGeom>
+            <a:ln>
+              <a:headEnd type="triangle"/>
+              <a:tailEnd type="triangle"/>
+            </a:ln>
+          </p:spPr>
+          <p:style>
+            <a:lnRef idx="1">
+              <a:schemeClr val="accent1"/>
+            </a:lnRef>
+            <a:fillRef idx="0">
+              <a:schemeClr val="accent1"/>
+            </a:fillRef>
+            <a:effectRef idx="0">
+              <a:schemeClr val="accent1"/>
+            </a:effectRef>
+            <a:fontRef idx="minor">
+              <a:schemeClr val="tx1"/>
+            </a:fontRef>
+          </p:style>
+        </p:cxnSp>
+        <p:cxnSp>
+          <p:nvCxnSpPr>
+            <p:cNvPr id="65" name="Straight Arrow Connector 64">
+              <a:extLst>
+                <a:ext uri="{FF2B5EF4-FFF2-40B4-BE49-F238E27FC236}">
+                  <a16:creationId xmlns:a16="http://schemas.microsoft.com/office/drawing/2014/main" id="{6780114C-5BB9-4BAC-AD60-4C44133BD51B}"/>
+                </a:ext>
+              </a:extLst>
+            </p:cNvPr>
+            <p:cNvCxnSpPr>
+              <a:cxnSpLocks/>
+              <a:stCxn id="10" idx="0"/>
+              <a:endCxn id="6" idx="2"/>
+            </p:cNvCxnSpPr>
+            <p:nvPr/>
+          </p:nvCxnSpPr>
+          <p:spPr>
+            <a:xfrm flipV="1">
+              <a:off x="4936939" y="3482289"/>
+              <a:ext cx="1622" cy="358335"/>
+            </a:xfrm>
+            <a:prstGeom prst="straightConnector1">
+              <a:avLst/>
+            </a:prstGeom>
+            <a:ln>
+              <a:headEnd type="triangle"/>
+              <a:tailEnd type="triangle"/>
+            </a:ln>
+          </p:spPr>
+          <p:style>
+            <a:lnRef idx="1">
+              <a:schemeClr val="accent1"/>
+            </a:lnRef>
+            <a:fillRef idx="0">
+              <a:schemeClr val="accent1"/>
+            </a:fillRef>
+            <a:effectRef idx="0">
+              <a:schemeClr val="accent1"/>
+            </a:effectRef>
+            <a:fontRef idx="minor">
+              <a:schemeClr val="tx1"/>
+            </a:fontRef>
+          </p:style>
+        </p:cxnSp>
         <p:pic>
           <p:nvPicPr>
-            <p:cNvPr id="6" name="Picture 5">
+            <p:cNvPr id="1026" name="Picture 2" descr="Apache Zookeeper Telegraf Plugin | InfluxData">
               <a:extLst>
                 <a:ext uri="{FF2B5EF4-FFF2-40B4-BE49-F238E27FC236}">
-                  <a16:creationId xmlns:a16="http://schemas.microsoft.com/office/drawing/2014/main" id="{A47E2171-E78D-4B06-820D-A254552FF7CA}"/>
+                  <a16:creationId xmlns:a16="http://schemas.microsoft.com/office/drawing/2014/main" id="{43778C67-37F9-4E9C-A762-252E144BAE48}"/>
                 </a:ext>
               </a:extLst>
             </p:cNvPr>
             <p:cNvPicPr>
-              <a:picLocks noChangeAspect="1"/>
+              <a:picLocks noChangeAspect="1" noChangeArrowheads="1"/>
             </p:cNvPicPr>
             <p:nvPr/>
           </p:nvPicPr>
-          <p:blipFill>
-            <a:blip r:embed="rId2"/>
-            <a:stretch>
-              <a:fillRect/>
-            </a:stretch>
-          </p:blipFill>
-          <p:spPr>
-            <a:xfrm>
-              <a:off x="4404568" y="2599050"/>
-              <a:ext cx="1067985" cy="883239"/>
-            </a:xfrm>
-            <a:prstGeom prst="rect">
-              <a:avLst/>
-            </a:prstGeom>
-          </p:spPr>
-        </p:pic>
-      </p:grpSp>
-      <p:grpSp>
-        <p:nvGrpSpPr>
-          <p:cNvPr id="22" name="Group 21">
-            <a:extLst>
-              <a:ext uri="{FF2B5EF4-FFF2-40B4-BE49-F238E27FC236}">
-                <a16:creationId xmlns:a16="http://schemas.microsoft.com/office/drawing/2014/main" id="{89AEAEBE-D4C7-4EF3-B168-B12009451804}"/>
-              </a:ext>
-            </a:extLst>
-          </p:cNvPr>
-          <p:cNvGrpSpPr/>
-          <p:nvPr/>
-        </p:nvGrpSpPr>
-        <p:grpSpPr>
-          <a:xfrm>
-            <a:off x="1705591" y="1898691"/>
-            <a:ext cx="1717820" cy="1572254"/>
-            <a:chOff x="1032548" y="2692243"/>
-            <a:chExt cx="1717820" cy="1572254"/>
-          </a:xfrm>
-        </p:grpSpPr>
-        <p:sp>
-          <p:nvSpPr>
-            <p:cNvPr id="11" name="TextBox 10">
+          <p:blipFill rotWithShape="1">
+            <a:blip r:embed="rId3">
               <a:extLst>
-                <a:ext uri="{FF2B5EF4-FFF2-40B4-BE49-F238E27FC236}">
-                  <a16:creationId xmlns:a16="http://schemas.microsoft.com/office/drawing/2014/main" id="{A25F7B61-8003-4CDE-B795-2FCAE1895F2F}"/>
+                <a:ext uri="{28A0092B-C50C-407E-A947-70E740481C1C}">
+                  <a14:useLocalDpi xmlns:a14="http://schemas.microsoft.com/office/drawing/2010/main" val="0"/>
                 </a:ext>
               </a:extLst>
-            </p:cNvPr>
-            <p:cNvSpPr txBox="1"/>
-            <p:nvPr/>
-          </p:nvSpPr>
-          <p:spPr>
+            </a:blip>
+            <a:srcRect t="24034" b="19149"/>
+            <a:stretch/>
+          </p:blipFill>
+          <p:spPr bwMode="auto">
             <a:xfrm>
-              <a:off x="1032548" y="2692243"/>
-              <a:ext cx="1717820" cy="646331"/>
+              <a:off x="822045" y="4090536"/>
+              <a:ext cx="1974908" cy="1122077"/>
             </a:xfrm>
             <a:prstGeom prst="rect">
               <a:avLst/>
             </a:prstGeom>
             <a:noFill/>
             <a:ln>
-              <a:noFill/>
+              <a:solidFill>
+                <a:schemeClr val="tx1"/>
+              </a:solidFill>
             </a:ln>
-          </p:spPr>
-          <p:txBody>
-            <a:bodyPr wrap="square" rtlCol="0">
-              <a:spAutoFit/>
-            </a:bodyPr>
-            <a:lstStyle/>
-            <a:p>
-              <a:pPr algn="ctr"/>
-              <a:r>
-                <a:rPr lang="en-US" u="sng" dirty="0"/>
-                <a:t>Redirection service</a:t>
-              </a:r>
-            </a:p>
-          </p:txBody>
-        </p:sp>
-        <p:pic>
-          <p:nvPicPr>
-            <p:cNvPr id="48" name="Picture 47">
-              <a:extLst>
-                <a:ext uri="{FF2B5EF4-FFF2-40B4-BE49-F238E27FC236}">
-                  <a16:creationId xmlns:a16="http://schemas.microsoft.com/office/drawing/2014/main" id="{D48966A2-F986-43E5-A39E-A9508F3B91BF}"/>
-                </a:ext>
-              </a:extLst>
-            </p:cNvPr>
-            <p:cNvPicPr>
-              <a:picLocks noChangeAspect="1"/>
-            </p:cNvPicPr>
-            <p:nvPr/>
-          </p:nvPicPr>
-          <p:blipFill>
-            <a:blip r:embed="rId2"/>
-            <a:stretch>
-              <a:fillRect/>
-            </a:stretch>
-          </p:blipFill>
-          <p:spPr>
-            <a:xfrm>
-              <a:off x="1346375" y="3381258"/>
-              <a:ext cx="1067985" cy="883239"/>
-            </a:xfrm>
-            <a:prstGeom prst="rect">
-              <a:avLst/>
-            </a:prstGeom>
+            <a:extLst>
+              <a:ext uri="{909E8E84-426E-40DD-AFC4-6F175D3DCCD1}">
+                <a14:hiddenFill xmlns:a14="http://schemas.microsoft.com/office/drawing/2010/main">
+                  <a:solidFill>
+                    <a:srgbClr val="FFFFFF"/>
+                  </a:solidFill>
+                </a14:hiddenFill>
+              </a:ext>
+            </a:extLst>
           </p:spPr>
         </p:pic>
       </p:grpSp>
-      <p:sp>
-        <p:nvSpPr>
-          <p:cNvPr id="2" name="TextBox 1">
-            <a:extLst>
-              <a:ext uri="{FF2B5EF4-FFF2-40B4-BE49-F238E27FC236}">
-                <a16:creationId xmlns:a16="http://schemas.microsoft.com/office/drawing/2014/main" id="{8B545916-3FA8-4506-AB58-D3ACE4908589}"/>
-              </a:ext>
-            </a:extLst>
-          </p:cNvPr>
-          <p:cNvSpPr txBox="1"/>
-          <p:nvPr/>
-        </p:nvSpPr>
-        <p:spPr>
-          <a:xfrm>
-            <a:off x="134035" y="2848142"/>
-            <a:ext cx="868611" cy="369332"/>
-          </a:xfrm>
-          <a:prstGeom prst="rect">
-            <a:avLst/>
-          </a:prstGeom>
-          <a:noFill/>
-        </p:spPr>
-        <p:txBody>
-          <a:bodyPr wrap="square" rtlCol="0">
-            <a:spAutoFit/>
-          </a:bodyPr>
-          <a:lstStyle/>
-          <a:p>
-            <a:r>
-              <a:rPr lang="en-US" u="sng" dirty="0"/>
-              <a:t>client</a:t>
-            </a:r>
-          </a:p>
-        </p:txBody>
-      </p:sp>
-      <p:sp>
-        <p:nvSpPr>
-          <p:cNvPr id="30" name="TextBox 29">
-            <a:extLst>
-              <a:ext uri="{FF2B5EF4-FFF2-40B4-BE49-F238E27FC236}">
-                <a16:creationId xmlns:a16="http://schemas.microsoft.com/office/drawing/2014/main" id="{B45562DB-5114-4701-998A-23705DCE1FFE}"/>
-              </a:ext>
-            </a:extLst>
-          </p:cNvPr>
-          <p:cNvSpPr txBox="1"/>
-          <p:nvPr/>
-        </p:nvSpPr>
-        <p:spPr>
-          <a:xfrm>
-            <a:off x="1112994" y="2667407"/>
-            <a:ext cx="847288" cy="369332"/>
-          </a:xfrm>
-          <a:prstGeom prst="rect">
-            <a:avLst/>
-          </a:prstGeom>
-          <a:noFill/>
-        </p:spPr>
-        <p:txBody>
-          <a:bodyPr wrap="square" rtlCol="0">
-            <a:spAutoFit/>
-          </a:bodyPr>
-          <a:lstStyle/>
-          <a:p>
-            <a:r>
-              <a:rPr lang="en-US" dirty="0"/>
-              <a:t>REST</a:t>
-            </a:r>
-          </a:p>
-        </p:txBody>
-      </p:sp>
-      <p:sp>
-        <p:nvSpPr>
-          <p:cNvPr id="45" name="TextBox 44">
-            <a:extLst>
-              <a:ext uri="{FF2B5EF4-FFF2-40B4-BE49-F238E27FC236}">
-                <a16:creationId xmlns:a16="http://schemas.microsoft.com/office/drawing/2014/main" id="{9AB7C2A7-ECAD-4713-A5F0-C07BDB7EE400}"/>
-              </a:ext>
-            </a:extLst>
-          </p:cNvPr>
-          <p:cNvSpPr txBox="1"/>
-          <p:nvPr/>
-        </p:nvSpPr>
-        <p:spPr>
-          <a:xfrm>
-            <a:off x="3527319" y="2623850"/>
-            <a:ext cx="847288" cy="369332"/>
-          </a:xfrm>
-          <a:prstGeom prst="rect">
-            <a:avLst/>
-          </a:prstGeom>
-          <a:noFill/>
-        </p:spPr>
-        <p:txBody>
-          <a:bodyPr wrap="square" rtlCol="0">
-            <a:spAutoFit/>
-          </a:bodyPr>
-          <a:lstStyle/>
-          <a:p>
-            <a:r>
-              <a:rPr lang="en-US" dirty="0" err="1"/>
-              <a:t>gRPC</a:t>
-            </a:r>
-            <a:endParaRPr lang="en-US" dirty="0"/>
-          </a:p>
-        </p:txBody>
-      </p:sp>
-      <p:cxnSp>
-        <p:nvCxnSpPr>
-          <p:cNvPr id="49" name="Straight Arrow Connector 48">
-            <a:extLst>
-              <a:ext uri="{FF2B5EF4-FFF2-40B4-BE49-F238E27FC236}">
-                <a16:creationId xmlns:a16="http://schemas.microsoft.com/office/drawing/2014/main" id="{96F85F11-9D13-4D17-9261-8D18B6926043}"/>
-              </a:ext>
-            </a:extLst>
-          </p:cNvPr>
-          <p:cNvCxnSpPr>
-            <a:stCxn id="2" idx="3"/>
-            <a:endCxn id="48" idx="1"/>
-          </p:cNvCxnSpPr>
-          <p:nvPr/>
-        </p:nvCxnSpPr>
-        <p:spPr>
-          <a:xfrm flipV="1">
-            <a:off x="1002646" y="3029326"/>
-            <a:ext cx="1016772" cy="3482"/>
-          </a:xfrm>
-          <a:prstGeom prst="straightConnector1">
-            <a:avLst/>
-          </a:prstGeom>
-          <a:ln>
-            <a:headEnd type="triangle"/>
-            <a:tailEnd type="triangle"/>
-          </a:ln>
-        </p:spPr>
-        <p:style>
-          <a:lnRef idx="1">
-            <a:schemeClr val="accent1"/>
-          </a:lnRef>
-          <a:fillRef idx="0">
-            <a:schemeClr val="accent1"/>
-          </a:fillRef>
-          <a:effectRef idx="0">
-            <a:schemeClr val="accent1"/>
-          </a:effectRef>
-          <a:fontRef idx="minor">
-            <a:schemeClr val="tx1"/>
-          </a:fontRef>
-        </p:style>
-      </p:cxnSp>
-      <p:cxnSp>
-        <p:nvCxnSpPr>
-          <p:cNvPr id="50" name="Straight Arrow Connector 49">
-            <a:extLst>
-              <a:ext uri="{FF2B5EF4-FFF2-40B4-BE49-F238E27FC236}">
-                <a16:creationId xmlns:a16="http://schemas.microsoft.com/office/drawing/2014/main" id="{26F02EE4-E152-464F-A1FE-E2D762C064BB}"/>
-              </a:ext>
-            </a:extLst>
-          </p:cNvPr>
-          <p:cNvCxnSpPr>
-            <a:cxnSpLocks/>
-            <a:stCxn id="48" idx="3"/>
-            <a:endCxn id="5" idx="1"/>
-          </p:cNvCxnSpPr>
-          <p:nvPr/>
-        </p:nvCxnSpPr>
-        <p:spPr>
-          <a:xfrm flipV="1">
-            <a:off x="3087403" y="1474472"/>
-            <a:ext cx="1317164" cy="1554854"/>
-          </a:xfrm>
-          <a:prstGeom prst="straightConnector1">
-            <a:avLst/>
-          </a:prstGeom>
-          <a:ln>
-            <a:headEnd type="triangle"/>
-            <a:tailEnd type="triangle"/>
-          </a:ln>
-        </p:spPr>
-        <p:style>
-          <a:lnRef idx="1">
-            <a:schemeClr val="accent1"/>
-          </a:lnRef>
-          <a:fillRef idx="0">
-            <a:schemeClr val="accent1"/>
-          </a:fillRef>
-          <a:effectRef idx="0">
-            <a:schemeClr val="accent1"/>
-          </a:effectRef>
-          <a:fontRef idx="minor">
-            <a:schemeClr val="tx1"/>
-          </a:fontRef>
-        </p:style>
-      </p:cxnSp>
-      <p:cxnSp>
-        <p:nvCxnSpPr>
-          <p:cNvPr id="51" name="Straight Arrow Connector 50">
-            <a:extLst>
-              <a:ext uri="{FF2B5EF4-FFF2-40B4-BE49-F238E27FC236}">
-                <a16:creationId xmlns:a16="http://schemas.microsoft.com/office/drawing/2014/main" id="{5F8F1641-BEB8-460F-8105-313235632872}"/>
-              </a:ext>
-            </a:extLst>
-          </p:cNvPr>
-          <p:cNvCxnSpPr>
-            <a:cxnSpLocks/>
-            <a:stCxn id="48" idx="3"/>
-            <a:endCxn id="6" idx="1"/>
-          </p:cNvCxnSpPr>
-          <p:nvPr/>
-        </p:nvCxnSpPr>
-        <p:spPr>
-          <a:xfrm>
-            <a:off x="3087403" y="3029326"/>
-            <a:ext cx="1317165" cy="11344"/>
-          </a:xfrm>
-          <a:prstGeom prst="straightConnector1">
-            <a:avLst/>
-          </a:prstGeom>
-          <a:ln>
-            <a:headEnd type="triangle"/>
-            <a:tailEnd type="triangle"/>
-          </a:ln>
-        </p:spPr>
-        <p:style>
-          <a:lnRef idx="1">
-            <a:schemeClr val="accent1"/>
-          </a:lnRef>
-          <a:fillRef idx="0">
-            <a:schemeClr val="accent1"/>
-          </a:fillRef>
-          <a:effectRef idx="0">
-            <a:schemeClr val="accent1"/>
-          </a:effectRef>
-          <a:fontRef idx="minor">
-            <a:schemeClr val="tx1"/>
-          </a:fontRef>
-        </p:style>
-      </p:cxnSp>
-      <p:cxnSp>
-        <p:nvCxnSpPr>
-          <p:cNvPr id="52" name="Straight Arrow Connector 51">
-            <a:extLst>
-              <a:ext uri="{FF2B5EF4-FFF2-40B4-BE49-F238E27FC236}">
-                <a16:creationId xmlns:a16="http://schemas.microsoft.com/office/drawing/2014/main" id="{EA4F30C8-0478-470B-8DCC-FEDC2C5F77B8}"/>
-              </a:ext>
-            </a:extLst>
-          </p:cNvPr>
-          <p:cNvCxnSpPr>
-            <a:cxnSpLocks/>
-            <a:stCxn id="48" idx="3"/>
-            <a:endCxn id="7" idx="1"/>
-          </p:cNvCxnSpPr>
-          <p:nvPr/>
-        </p:nvCxnSpPr>
-        <p:spPr>
-          <a:xfrm>
-            <a:off x="3087403" y="3029326"/>
-            <a:ext cx="1241317" cy="1622250"/>
-          </a:xfrm>
-          <a:prstGeom prst="straightConnector1">
-            <a:avLst/>
-          </a:prstGeom>
-          <a:ln>
-            <a:headEnd type="triangle"/>
-            <a:tailEnd type="triangle"/>
-          </a:ln>
-        </p:spPr>
-        <p:style>
-          <a:lnRef idx="1">
-            <a:schemeClr val="accent1"/>
-          </a:lnRef>
-          <a:fillRef idx="0">
-            <a:schemeClr val="accent1"/>
-          </a:fillRef>
-          <a:effectRef idx="0">
-            <a:schemeClr val="accent1"/>
-          </a:effectRef>
-          <a:fontRef idx="minor">
-            <a:schemeClr val="tx1"/>
-          </a:fontRef>
-        </p:style>
-      </p:cxnSp>
-      <p:cxnSp>
-        <p:nvCxnSpPr>
-          <p:cNvPr id="65" name="Straight Arrow Connector 64">
-            <a:extLst>
-              <a:ext uri="{FF2B5EF4-FFF2-40B4-BE49-F238E27FC236}">
-                <a16:creationId xmlns:a16="http://schemas.microsoft.com/office/drawing/2014/main" id="{6780114C-5BB9-4BAC-AD60-4C44133BD51B}"/>
-              </a:ext>
-            </a:extLst>
-          </p:cNvPr>
-          <p:cNvCxnSpPr>
-            <a:cxnSpLocks/>
-            <a:stCxn id="10" idx="0"/>
-            <a:endCxn id="6" idx="2"/>
-          </p:cNvCxnSpPr>
-          <p:nvPr/>
-        </p:nvCxnSpPr>
-        <p:spPr>
-          <a:xfrm flipV="1">
-            <a:off x="4924120" y="3482289"/>
-            <a:ext cx="14441" cy="358335"/>
-          </a:xfrm>
-          <a:prstGeom prst="straightConnector1">
-            <a:avLst/>
-          </a:prstGeom>
-          <a:ln>
-            <a:headEnd type="triangle"/>
-            <a:tailEnd type="triangle"/>
-          </a:ln>
-        </p:spPr>
-        <p:style>
-          <a:lnRef idx="1">
-            <a:schemeClr val="accent1"/>
-          </a:lnRef>
-          <a:fillRef idx="0">
-            <a:schemeClr val="accent1"/>
-          </a:fillRef>
-          <a:effectRef idx="0">
-            <a:schemeClr val="accent1"/>
-          </a:effectRef>
-          <a:fontRef idx="minor">
-            <a:schemeClr val="tx1"/>
-          </a:fontRef>
-        </p:style>
-      </p:cxnSp>
-      <p:cxnSp>
-        <p:nvCxnSpPr>
-          <p:cNvPr id="31" name="Straight Arrow Connector 30">
-            <a:extLst>
-              <a:ext uri="{FF2B5EF4-FFF2-40B4-BE49-F238E27FC236}">
-                <a16:creationId xmlns:a16="http://schemas.microsoft.com/office/drawing/2014/main" id="{5E6F3F26-9303-48DA-B834-B3579B7F3EF6}"/>
-              </a:ext>
-            </a:extLst>
-          </p:cNvPr>
-          <p:cNvCxnSpPr>
-            <a:cxnSpLocks/>
-          </p:cNvCxnSpPr>
-          <p:nvPr/>
-        </p:nvCxnSpPr>
-        <p:spPr>
-          <a:xfrm flipV="1">
-            <a:off x="4909678" y="1959925"/>
-            <a:ext cx="14441" cy="358335"/>
-          </a:xfrm>
-          <a:prstGeom prst="straightConnector1">
-            <a:avLst/>
-          </a:prstGeom>
-          <a:ln>
-            <a:headEnd type="triangle"/>
-            <a:tailEnd type="triangle"/>
-          </a:ln>
-        </p:spPr>
-        <p:style>
-          <a:lnRef idx="1">
-            <a:schemeClr val="accent1"/>
-          </a:lnRef>
-          <a:fillRef idx="0">
-            <a:schemeClr val="accent1"/>
-          </a:fillRef>
-          <a:effectRef idx="0">
-            <a:schemeClr val="accent1"/>
-          </a:effectRef>
-          <a:fontRef idx="minor">
-            <a:schemeClr val="tx1"/>
-          </a:fontRef>
-        </p:style>
-      </p:cxnSp>
-      <p:sp>
-        <p:nvSpPr>
-          <p:cNvPr id="15" name="TextBox 14">
-            <a:extLst>
-              <a:ext uri="{FF2B5EF4-FFF2-40B4-BE49-F238E27FC236}">
-                <a16:creationId xmlns:a16="http://schemas.microsoft.com/office/drawing/2014/main" id="{B7C92507-E8BE-4856-A401-5E29A9E090FB}"/>
-              </a:ext>
-            </a:extLst>
-          </p:cNvPr>
-          <p:cNvSpPr txBox="1"/>
-          <p:nvPr/>
-        </p:nvSpPr>
-        <p:spPr>
-          <a:xfrm>
-            <a:off x="7687159" y="840783"/>
-            <a:ext cx="184731" cy="369332"/>
-          </a:xfrm>
-          <a:prstGeom prst="rect">
-            <a:avLst/>
-          </a:prstGeom>
-          <a:noFill/>
-        </p:spPr>
-        <p:txBody>
-          <a:bodyPr wrap="none" rtlCol="0">
-            <a:spAutoFit/>
-          </a:bodyPr>
-          <a:lstStyle/>
-          <a:p>
-            <a:endParaRPr lang="en-US" dirty="0"/>
-          </a:p>
-        </p:txBody>
-      </p:sp>
     </p:spTree>
     <p:extLst>
       <p:ext uri="{BB962C8B-B14F-4D97-AF65-F5344CB8AC3E}">
@@ -5424,210 +5738,348 @@
         <p:spPr/>
         <p:txBody>
           <a:bodyPr>
-            <a:normAutofit fontScale="55000" lnSpcReduction="20000"/>
+            <a:normAutofit fontScale="70000" lnSpcReduction="20000"/>
           </a:bodyPr>
           <a:lstStyle/>
           <a:p>
             <a:r>
+              <a:rPr lang="en-US" dirty="0">
+                <a:solidFill>
+                  <a:srgbClr val="00B050"/>
+                </a:solidFill>
+              </a:rPr>
+              <a:t>REST</a:t>
+            </a:r>
+          </a:p>
+          <a:p>
+            <a:r>
+              <a:rPr lang="en-US" dirty="0" err="1">
+                <a:solidFill>
+                  <a:srgbClr val="00B050"/>
+                </a:solidFill>
+              </a:rPr>
+              <a:t>gRPC</a:t>
+            </a:r>
+            <a:endParaRPr lang="en-US" dirty="0">
+              <a:solidFill>
+                <a:srgbClr val="00B050"/>
+              </a:solidFill>
+            </a:endParaRPr>
+          </a:p>
+          <a:p>
+            <a:pPr lvl="1"/>
+            <a:r>
+              <a:rPr lang="en-US" dirty="0" err="1">
+                <a:solidFill>
+                  <a:srgbClr val="00B050"/>
+                </a:solidFill>
+              </a:rPr>
+              <a:t>PostRide</a:t>
+            </a:r>
+            <a:r>
+              <a:rPr lang="en-US" dirty="0">
+                <a:solidFill>
+                  <a:srgbClr val="00B050"/>
+                </a:solidFill>
+              </a:rPr>
+              <a:t> (</a:t>
+            </a:r>
+            <a:r>
+              <a:rPr lang="en-US" dirty="0" err="1">
+                <a:solidFill>
+                  <a:srgbClr val="00B050"/>
+                </a:solidFill>
+              </a:rPr>
+              <a:t>lb</a:t>
+            </a:r>
+            <a:r>
+              <a:rPr lang="en-US" dirty="0">
+                <a:solidFill>
+                  <a:srgbClr val="00B050"/>
+                </a:solidFill>
+              </a:rPr>
+              <a:t>-&gt;</a:t>
+            </a:r>
+            <a:r>
+              <a:rPr lang="en-US" dirty="0" err="1">
+                <a:solidFill>
+                  <a:srgbClr val="00B050"/>
+                </a:solidFill>
+              </a:rPr>
+              <a:t>cityS</a:t>
+            </a:r>
+            <a:r>
+              <a:rPr lang="en-US" dirty="0">
+                <a:solidFill>
+                  <a:srgbClr val="00B050"/>
+                </a:solidFill>
+              </a:rPr>
+              <a:t>)</a:t>
+            </a:r>
+          </a:p>
+          <a:p>
+            <a:pPr lvl="1"/>
+            <a:r>
+              <a:rPr lang="en-US" dirty="0" err="1">
+                <a:solidFill>
+                  <a:srgbClr val="00B050"/>
+                </a:solidFill>
+              </a:rPr>
+              <a:t>PostCustomerRequest</a:t>
+            </a:r>
+            <a:r>
+              <a:rPr lang="en-US" dirty="0">
+                <a:solidFill>
+                  <a:srgbClr val="00B050"/>
+                </a:solidFill>
+              </a:rPr>
+              <a:t> (</a:t>
+            </a:r>
+            <a:r>
+              <a:rPr lang="en-US" dirty="0" err="1">
+                <a:solidFill>
+                  <a:srgbClr val="00B050"/>
+                </a:solidFill>
+              </a:rPr>
+              <a:t>lb</a:t>
+            </a:r>
+            <a:r>
+              <a:rPr lang="en-US" dirty="0">
+                <a:solidFill>
+                  <a:srgbClr val="00B050"/>
+                </a:solidFill>
+              </a:rPr>
+              <a:t>-&gt;</a:t>
+            </a:r>
+            <a:r>
+              <a:rPr lang="en-US" dirty="0" err="1">
+                <a:solidFill>
+                  <a:srgbClr val="00B050"/>
+                </a:solidFill>
+              </a:rPr>
+              <a:t>cityS</a:t>
+            </a:r>
+            <a:r>
+              <a:rPr lang="en-US" dirty="0">
+                <a:solidFill>
+                  <a:srgbClr val="00B050"/>
+                </a:solidFill>
+              </a:rPr>
+              <a:t>)</a:t>
+            </a:r>
+          </a:p>
+          <a:p>
+            <a:pPr lvl="1"/>
+            <a:r>
+              <a:rPr lang="en-US" dirty="0" err="1">
+                <a:solidFill>
+                  <a:srgbClr val="00B050"/>
+                </a:solidFill>
+              </a:rPr>
+              <a:t>CustomerRequestResult</a:t>
+            </a:r>
+            <a:r>
+              <a:rPr lang="en-US" dirty="0">
+                <a:solidFill>
+                  <a:srgbClr val="00B050"/>
+                </a:solidFill>
+              </a:rPr>
+              <a:t> (</a:t>
+            </a:r>
+            <a:r>
+              <a:rPr lang="en-US" dirty="0" err="1">
+                <a:solidFill>
+                  <a:srgbClr val="00B050"/>
+                </a:solidFill>
+              </a:rPr>
+              <a:t>cityS</a:t>
+            </a:r>
+            <a:r>
+              <a:rPr lang="en-US" dirty="0">
+                <a:solidFill>
+                  <a:srgbClr val="00B050"/>
+                </a:solidFill>
+              </a:rPr>
+              <a:t>-&gt;</a:t>
+            </a:r>
+            <a:r>
+              <a:rPr lang="en-US" dirty="0" err="1">
+                <a:solidFill>
+                  <a:srgbClr val="00B050"/>
+                </a:solidFill>
+              </a:rPr>
+              <a:t>lb</a:t>
+            </a:r>
+            <a:r>
+              <a:rPr lang="en-US" dirty="0">
+                <a:solidFill>
+                  <a:srgbClr val="00B050"/>
+                </a:solidFill>
+              </a:rPr>
+              <a:t>)</a:t>
+            </a:r>
+          </a:p>
+          <a:p>
+            <a:pPr lvl="1"/>
+            <a:r>
+              <a:rPr lang="en-US" dirty="0" err="1">
+                <a:solidFill>
+                  <a:srgbClr val="00B050"/>
+                </a:solidFill>
+              </a:rPr>
+              <a:t>GetExistingRides</a:t>
+            </a:r>
+            <a:r>
+              <a:rPr lang="en-US" dirty="0">
+                <a:solidFill>
+                  <a:srgbClr val="00B050"/>
+                </a:solidFill>
+              </a:rPr>
+              <a:t> (</a:t>
+            </a:r>
+            <a:r>
+              <a:rPr lang="en-US" dirty="0" err="1">
+                <a:solidFill>
+                  <a:srgbClr val="00B050"/>
+                </a:solidFill>
+              </a:rPr>
+              <a:t>cityS</a:t>
+            </a:r>
+            <a:r>
+              <a:rPr lang="en-US" dirty="0">
+                <a:solidFill>
+                  <a:srgbClr val="00B050"/>
+                </a:solidFill>
+              </a:rPr>
+              <a:t>-&gt;DB)</a:t>
+            </a:r>
+          </a:p>
+          <a:p>
+            <a:pPr lvl="1"/>
+            <a:r>
+              <a:rPr lang="en-US" dirty="0" err="1">
+                <a:solidFill>
+                  <a:srgbClr val="00B050"/>
+                </a:solidFill>
+              </a:rPr>
+              <a:t>UpdateRide</a:t>
+            </a:r>
+            <a:r>
+              <a:rPr lang="en-US" dirty="0">
+                <a:solidFill>
+                  <a:srgbClr val="00B050"/>
+                </a:solidFill>
+              </a:rPr>
+              <a:t> (</a:t>
+            </a:r>
+            <a:r>
+              <a:rPr lang="en-US" dirty="0" err="1">
+                <a:solidFill>
+                  <a:srgbClr val="00B050"/>
+                </a:solidFill>
+              </a:rPr>
+              <a:t>cityS</a:t>
+            </a:r>
+            <a:r>
+              <a:rPr lang="en-US" dirty="0">
+                <a:solidFill>
+                  <a:srgbClr val="00B050"/>
+                </a:solidFill>
+              </a:rPr>
+              <a:t>-&gt;DB)</a:t>
+            </a:r>
+          </a:p>
+          <a:p>
+            <a:pPr lvl="1"/>
+            <a:r>
+              <a:rPr lang="en-US" dirty="0" err="1">
+                <a:solidFill>
+                  <a:srgbClr val="00B050"/>
+                </a:solidFill>
+              </a:rPr>
+              <a:t>InsertRide</a:t>
+            </a:r>
+            <a:r>
+              <a:rPr lang="en-US" dirty="0">
+                <a:solidFill>
+                  <a:srgbClr val="00B050"/>
+                </a:solidFill>
+              </a:rPr>
+              <a:t> (</a:t>
+            </a:r>
+            <a:r>
+              <a:rPr lang="en-US" dirty="0" err="1">
+                <a:solidFill>
+                  <a:srgbClr val="00B050"/>
+                </a:solidFill>
+              </a:rPr>
+              <a:t>cityS</a:t>
+            </a:r>
+            <a:r>
+              <a:rPr lang="en-US" dirty="0">
+                <a:solidFill>
+                  <a:srgbClr val="00B050"/>
+                </a:solidFill>
+              </a:rPr>
+              <a:t>-&gt;DB)</a:t>
+            </a:r>
+          </a:p>
+          <a:p>
+            <a:r>
+              <a:rPr lang="en-US" dirty="0" err="1">
+                <a:solidFill>
+                  <a:srgbClr val="00B050"/>
+                </a:solidFill>
+              </a:rPr>
+              <a:t>lbServer</a:t>
+            </a:r>
+            <a:endParaRPr lang="en-US" dirty="0">
+              <a:solidFill>
+                <a:srgbClr val="00B050"/>
+              </a:solidFill>
+            </a:endParaRPr>
+          </a:p>
+          <a:p>
+            <a:pPr lvl="1"/>
+            <a:r>
               <a:rPr lang="en-US" dirty="0"/>
-              <a:t>REST</a:t>
-            </a:r>
-          </a:p>
-          <a:p>
-            <a:r>
-              <a:rPr lang="en-US" dirty="0" err="1"/>
-              <a:t>gRPC</a:t>
-            </a:r>
-            <a:endParaRPr lang="en-US" dirty="0"/>
+              <a:t>Main thread</a:t>
+            </a:r>
           </a:p>
           <a:p>
             <a:pPr lvl="1"/>
             <a:r>
-              <a:rPr lang="en-US" dirty="0" err="1"/>
-              <a:t>PostRide</a:t>
-            </a:r>
-            <a:r>
               <a:rPr lang="en-US" dirty="0"/>
-              <a:t> (</a:t>
-            </a:r>
-            <a:r>
-              <a:rPr lang="en-US" dirty="0" err="1"/>
-              <a:t>lb</a:t>
-            </a:r>
-            <a:r>
-              <a:rPr lang="en-US" dirty="0"/>
-              <a:t>-&gt;</a:t>
-            </a:r>
-            <a:r>
-              <a:rPr lang="en-US" dirty="0" err="1"/>
-              <a:t>cityS</a:t>
-            </a:r>
-            <a:r>
-              <a:rPr lang="en-US" dirty="0"/>
-              <a:t>)</a:t>
-            </a:r>
-          </a:p>
-          <a:p>
-            <a:pPr lvl="1"/>
-            <a:r>
-              <a:rPr lang="en-US" dirty="0" err="1"/>
-              <a:t>PostPathPlanning</a:t>
-            </a:r>
-            <a:r>
-              <a:rPr lang="en-US" dirty="0"/>
-              <a:t> (</a:t>
-            </a:r>
-            <a:r>
-              <a:rPr lang="en-US" dirty="0" err="1"/>
-              <a:t>lb</a:t>
-            </a:r>
-            <a:r>
-              <a:rPr lang="en-US" dirty="0"/>
-              <a:t>-&gt;</a:t>
-            </a:r>
-            <a:r>
-              <a:rPr lang="en-US" dirty="0" err="1"/>
-              <a:t>cityS</a:t>
-            </a:r>
-            <a:r>
-              <a:rPr lang="en-US" dirty="0"/>
-              <a:t>) gets stream </a:t>
-            </a:r>
-            <a:r>
-              <a:rPr lang="en-US" dirty="0" err="1"/>
-              <a:t>CostumerRequest</a:t>
-            </a:r>
-            <a:r>
-              <a:rPr lang="en-US" dirty="0"/>
-              <a:t> (</a:t>
-            </a:r>
-            <a:r>
-              <a:rPr lang="en-US" dirty="0" err="1"/>
-              <a:t>lb</a:t>
-            </a:r>
-            <a:r>
-              <a:rPr lang="en-US" dirty="0"/>
-              <a:t> path-&gt;single request)</a:t>
-            </a:r>
-          </a:p>
-          <a:p>
-            <a:pPr lvl="1"/>
-            <a:r>
-              <a:rPr lang="en-US" dirty="0" err="1"/>
-              <a:t>GetRideForRout</a:t>
-            </a:r>
-            <a:r>
-              <a:rPr lang="en-US" dirty="0"/>
-              <a:t> (</a:t>
-            </a:r>
-            <a:r>
-              <a:rPr lang="en-US" dirty="0" err="1"/>
-              <a:t>cityS</a:t>
-            </a:r>
-            <a:r>
-              <a:rPr lang="en-US" dirty="0"/>
-              <a:t>-&gt;</a:t>
-            </a:r>
-            <a:r>
-              <a:rPr lang="en-US" dirty="0" err="1"/>
-              <a:t>cityB</a:t>
-            </a:r>
-            <a:r>
-              <a:rPr lang="en-US" dirty="0"/>
-              <a:t>) get rout, returns Ride</a:t>
-            </a:r>
-          </a:p>
-          <a:p>
-            <a:pPr lvl="1"/>
-            <a:r>
-              <a:rPr lang="en-US" dirty="0" err="1"/>
-              <a:t>OccupyRide</a:t>
-            </a:r>
-            <a:r>
-              <a:rPr lang="en-US" dirty="0"/>
-              <a:t> (</a:t>
-            </a:r>
-            <a:r>
-              <a:rPr lang="en-US" dirty="0" err="1"/>
-              <a:t>cityS</a:t>
-            </a:r>
-            <a:r>
-              <a:rPr lang="en-US" dirty="0"/>
-              <a:t>-&gt;</a:t>
-            </a:r>
-            <a:r>
-              <a:rPr lang="en-US" dirty="0" err="1"/>
-              <a:t>cityB</a:t>
-            </a:r>
-            <a:r>
-              <a:rPr lang="en-US" dirty="0"/>
-              <a:t>) get ride, return result</a:t>
-            </a:r>
-          </a:p>
-          <a:p>
-            <a:r>
-              <a:rPr lang="en-US" dirty="0" err="1"/>
-              <a:t>cityServer</a:t>
-            </a:r>
-            <a:endParaRPr lang="en-US" dirty="0"/>
-          </a:p>
-          <a:p>
-            <a:pPr lvl="1"/>
-            <a:r>
-              <a:rPr lang="en-US" dirty="0"/>
-              <a:t>Consensus – when fulfilling a request (update a Ride vacancies, pd)</a:t>
-            </a:r>
-          </a:p>
-          <a:p>
-            <a:pPr lvl="1"/>
-            <a:r>
-              <a:rPr lang="en-US" dirty="0"/>
-              <a:t>Ask for rides from other cities</a:t>
-            </a:r>
-          </a:p>
-          <a:p>
-            <a:pPr lvl="1"/>
-            <a:r>
-              <a:rPr lang="en-US" dirty="0"/>
-              <a:t>Locks</a:t>
-            </a:r>
-          </a:p>
-          <a:p>
-            <a:r>
-              <a:rPr lang="en-US" dirty="0"/>
-              <a:t>Load balancer</a:t>
-            </a:r>
-          </a:p>
-          <a:p>
-            <a:pPr lvl="1"/>
-            <a:r>
-              <a:rPr lang="en-US" dirty="0"/>
-              <a:t>RR to replications for </a:t>
-            </a:r>
-            <a:r>
-              <a:rPr lang="en-US" dirty="0" err="1"/>
-              <a:t>dest</a:t>
-            </a:r>
-            <a:r>
-              <a:rPr lang="en-US" dirty="0"/>
-              <a:t> shard</a:t>
-            </a:r>
-          </a:p>
-          <a:p>
-            <a:r>
-              <a:rPr lang="en-US" dirty="0"/>
+              <a:t>replications</a:t>
+            </a:r>
+          </a:p>
+          <a:p>
+            <a:r>
+              <a:rPr lang="en-US" dirty="0">
+                <a:solidFill>
+                  <a:srgbClr val="00B050"/>
+                </a:solidFill>
+              </a:rPr>
+              <a:t>Consensus?</a:t>
+            </a:r>
+          </a:p>
+          <a:p>
+            <a:r>
+              <a:rPr lang="en-US" dirty="0">
+                <a:solidFill>
+                  <a:srgbClr val="00B050"/>
+                </a:solidFill>
+              </a:rPr>
               <a:t>Failure detection</a:t>
             </a:r>
           </a:p>
           <a:p>
             <a:r>
-              <a:rPr lang="en-US" dirty="0"/>
-              <a:t>Replications</a:t>
-            </a:r>
-          </a:p>
-          <a:p>
-            <a:r>
-              <a:rPr lang="en-US" dirty="0"/>
+              <a:rPr lang="en-US" dirty="0">
+                <a:solidFill>
+                  <a:srgbClr val="00B050"/>
+                </a:solidFill>
+              </a:rPr>
               <a:t>Membership service</a:t>
             </a:r>
           </a:p>
@@ -5635,12 +6087,6 @@
             <a:r>
               <a:rPr lang="en-US" dirty="0"/>
               <a:t>Atomic broadcast?</a:t>
-            </a:r>
-          </a:p>
-          <a:p>
-            <a:r>
-              <a:rPr lang="en-US" dirty="0"/>
-              <a:t>Testing</a:t>
             </a:r>
           </a:p>
           <a:p>
@@ -6147,6 +6593,2227 @@
     <p:extLst>
       <p:ext uri="{BB962C8B-B14F-4D97-AF65-F5344CB8AC3E}">
         <p14:creationId xmlns:p14="http://schemas.microsoft.com/office/powerpoint/2010/main" val="717430992"/>
+      </p:ext>
+    </p:extLst>
+  </p:cSld>
+  <p:clrMapOvr>
+    <a:masterClrMapping/>
+  </p:clrMapOvr>
+</p:sld>
+</file>
+
+<file path=ppt/slides/slide8.xml><?xml version="1.0" encoding="utf-8"?>
+<p:sld xmlns:a="http://schemas.openxmlformats.org/drawingml/2006/main" xmlns:r="http://schemas.openxmlformats.org/officeDocument/2006/relationships" xmlns:p="http://schemas.openxmlformats.org/presentationml/2006/main">
+  <p:cSld>
+    <p:spTree>
+      <p:nvGrpSpPr>
+        <p:cNvPr id="1" name=""/>
+        <p:cNvGrpSpPr/>
+        <p:nvPr/>
+      </p:nvGrpSpPr>
+      <p:grpSpPr>
+        <a:xfrm>
+          <a:off x="0" y="0"/>
+          <a:ext cx="0" cy="0"/>
+          <a:chOff x="0" y="0"/>
+          <a:chExt cx="0" cy="0"/>
+        </a:xfrm>
+      </p:grpSpPr>
+      <p:grpSp>
+        <p:nvGrpSpPr>
+          <p:cNvPr id="280" name="Group 279">
+            <a:extLst>
+              <a:ext uri="{FF2B5EF4-FFF2-40B4-BE49-F238E27FC236}">
+                <a16:creationId xmlns:a16="http://schemas.microsoft.com/office/drawing/2014/main" id="{74BFB4BF-B128-482A-AE70-C2A12F3053A4}"/>
+              </a:ext>
+            </a:extLst>
+          </p:cNvPr>
+          <p:cNvGrpSpPr/>
+          <p:nvPr/>
+        </p:nvGrpSpPr>
+        <p:grpSpPr>
+          <a:xfrm>
+            <a:off x="36021" y="610999"/>
+            <a:ext cx="12008023" cy="5796064"/>
+            <a:chOff x="36021" y="610999"/>
+            <a:chExt cx="12008023" cy="5796064"/>
+          </a:xfrm>
+        </p:grpSpPr>
+        <p:sp>
+          <p:nvSpPr>
+            <p:cNvPr id="5" name="Rectangle: Rounded Corners 4">
+              <a:extLst>
+                <a:ext uri="{FF2B5EF4-FFF2-40B4-BE49-F238E27FC236}">
+                  <a16:creationId xmlns:a16="http://schemas.microsoft.com/office/drawing/2014/main" id="{17CF1B4A-C4AA-4ED5-8A69-7E98FFB2D597}"/>
+                </a:ext>
+              </a:extLst>
+            </p:cNvPr>
+            <p:cNvSpPr/>
+            <p:nvPr/>
+          </p:nvSpPr>
+          <p:spPr>
+            <a:xfrm>
+              <a:off x="5533182" y="610999"/>
+              <a:ext cx="978716" cy="413326"/>
+            </a:xfrm>
+            <a:prstGeom prst="roundRect">
+              <a:avLst/>
+            </a:prstGeom>
+            <a:noFill/>
+          </p:spPr>
+          <p:style>
+            <a:lnRef idx="2">
+              <a:schemeClr val="accent1">
+                <a:shade val="50000"/>
+              </a:schemeClr>
+            </a:lnRef>
+            <a:fillRef idx="1">
+              <a:schemeClr val="accent1"/>
+            </a:fillRef>
+            <a:effectRef idx="0">
+              <a:schemeClr val="accent1"/>
+            </a:effectRef>
+            <a:fontRef idx="minor">
+              <a:schemeClr val="lt1"/>
+            </a:fontRef>
+          </p:style>
+          <p:txBody>
+            <a:bodyPr rtlCol="0" anchor="ctr"/>
+            <a:lstStyle/>
+            <a:p>
+              <a:pPr algn="ctr"/>
+              <a:r>
+                <a:rPr lang="en-US" dirty="0">
+                  <a:solidFill>
+                    <a:schemeClr val="tx1"/>
+                  </a:solidFill>
+                </a:rPr>
+                <a:t>/</a:t>
+              </a:r>
+            </a:p>
+          </p:txBody>
+        </p:sp>
+        <p:sp>
+          <p:nvSpPr>
+            <p:cNvPr id="6" name="Rectangle: Rounded Corners 5">
+              <a:extLst>
+                <a:ext uri="{FF2B5EF4-FFF2-40B4-BE49-F238E27FC236}">
+                  <a16:creationId xmlns:a16="http://schemas.microsoft.com/office/drawing/2014/main" id="{8F3E9EDA-FBD5-49C0-9A55-94C7912BD48A}"/>
+                </a:ext>
+              </a:extLst>
+            </p:cNvPr>
+            <p:cNvSpPr/>
+            <p:nvPr/>
+          </p:nvSpPr>
+          <p:spPr>
+            <a:xfrm>
+              <a:off x="5420868" y="1533393"/>
+              <a:ext cx="1350264" cy="413326"/>
+            </a:xfrm>
+            <a:prstGeom prst="roundRect">
+              <a:avLst/>
+            </a:prstGeom>
+            <a:noFill/>
+          </p:spPr>
+          <p:style>
+            <a:lnRef idx="2">
+              <a:schemeClr val="accent1">
+                <a:shade val="50000"/>
+              </a:schemeClr>
+            </a:lnRef>
+            <a:fillRef idx="1">
+              <a:schemeClr val="accent1"/>
+            </a:fillRef>
+            <a:effectRef idx="0">
+              <a:schemeClr val="accent1"/>
+            </a:effectRef>
+            <a:fontRef idx="minor">
+              <a:schemeClr val="lt1"/>
+            </a:fontRef>
+          </p:style>
+          <p:txBody>
+            <a:bodyPr rtlCol="0" anchor="ctr"/>
+            <a:lstStyle/>
+            <a:p>
+              <a:pPr algn="ctr"/>
+              <a:r>
+                <a:rPr lang="en-US" dirty="0">
+                  <a:solidFill>
+                    <a:schemeClr val="tx1"/>
+                  </a:solidFill>
+                </a:rPr>
+                <a:t>LiveNodes/</a:t>
+              </a:r>
+            </a:p>
+          </p:txBody>
+        </p:sp>
+        <p:sp>
+          <p:nvSpPr>
+            <p:cNvPr id="7" name="Rectangle: Rounded Corners 6">
+              <a:extLst>
+                <a:ext uri="{FF2B5EF4-FFF2-40B4-BE49-F238E27FC236}">
+                  <a16:creationId xmlns:a16="http://schemas.microsoft.com/office/drawing/2014/main" id="{7DAEC08B-33F0-4EFC-B8E1-6CEC021C027A}"/>
+                </a:ext>
+              </a:extLst>
+            </p:cNvPr>
+            <p:cNvSpPr/>
+            <p:nvPr/>
+          </p:nvSpPr>
+          <p:spPr>
+            <a:xfrm>
+              <a:off x="9537261" y="1533393"/>
+              <a:ext cx="1566980" cy="413326"/>
+            </a:xfrm>
+            <a:prstGeom prst="roundRect">
+              <a:avLst/>
+            </a:prstGeom>
+            <a:noFill/>
+          </p:spPr>
+          <p:style>
+            <a:lnRef idx="2">
+              <a:schemeClr val="accent1">
+                <a:shade val="50000"/>
+              </a:schemeClr>
+            </a:lnRef>
+            <a:fillRef idx="1">
+              <a:schemeClr val="accent1"/>
+            </a:fillRef>
+            <a:effectRef idx="0">
+              <a:schemeClr val="accent1"/>
+            </a:effectRef>
+            <a:fontRef idx="minor">
+              <a:schemeClr val="lt1"/>
+            </a:fontRef>
+          </p:style>
+          <p:txBody>
+            <a:bodyPr rtlCol="0" anchor="ctr"/>
+            <a:lstStyle/>
+            <a:p>
+              <a:pPr algn="ctr"/>
+              <a:r>
+                <a:rPr lang="en-US" dirty="0">
+                  <a:solidFill>
+                    <a:schemeClr val="tx1"/>
+                  </a:solidFill>
+                </a:rPr>
+                <a:t>electionNode/</a:t>
+              </a:r>
+            </a:p>
+          </p:txBody>
+        </p:sp>
+        <p:sp>
+          <p:nvSpPr>
+            <p:cNvPr id="8" name="Rectangle: Rounded Corners 7">
+              <a:extLst>
+                <a:ext uri="{FF2B5EF4-FFF2-40B4-BE49-F238E27FC236}">
+                  <a16:creationId xmlns:a16="http://schemas.microsoft.com/office/drawing/2014/main" id="{0C7C18F2-6BCB-4932-9973-4FB939C8CFDD}"/>
+                </a:ext>
+              </a:extLst>
+            </p:cNvPr>
+            <p:cNvSpPr/>
+            <p:nvPr/>
+          </p:nvSpPr>
+          <p:spPr>
+            <a:xfrm>
+              <a:off x="140335" y="2271515"/>
+              <a:ext cx="1026261" cy="413326"/>
+            </a:xfrm>
+            <a:prstGeom prst="roundRect">
+              <a:avLst/>
+            </a:prstGeom>
+            <a:noFill/>
+          </p:spPr>
+          <p:style>
+            <a:lnRef idx="2">
+              <a:schemeClr val="accent1">
+                <a:shade val="50000"/>
+              </a:schemeClr>
+            </a:lnRef>
+            <a:fillRef idx="1">
+              <a:schemeClr val="accent1"/>
+            </a:fillRef>
+            <a:effectRef idx="0">
+              <a:schemeClr val="accent1"/>
+            </a:effectRef>
+            <a:fontRef idx="minor">
+              <a:schemeClr val="lt1"/>
+            </a:fontRef>
+          </p:style>
+          <p:txBody>
+            <a:bodyPr rtlCol="0" anchor="ctr"/>
+            <a:lstStyle/>
+            <a:p>
+              <a:pPr algn="ctr"/>
+              <a:r>
+                <a:rPr lang="en-US" dirty="0">
+                  <a:solidFill>
+                    <a:schemeClr val="tx1"/>
+                  </a:solidFill>
+                </a:rPr>
+                <a:t>shardA/</a:t>
+              </a:r>
+            </a:p>
+          </p:txBody>
+        </p:sp>
+        <p:sp>
+          <p:nvSpPr>
+            <p:cNvPr id="9" name="Rectangle: Rounded Corners 8">
+              <a:extLst>
+                <a:ext uri="{FF2B5EF4-FFF2-40B4-BE49-F238E27FC236}">
+                  <a16:creationId xmlns:a16="http://schemas.microsoft.com/office/drawing/2014/main" id="{EDD84630-47B6-4F5F-AF6B-23702937D320}"/>
+                </a:ext>
+              </a:extLst>
+            </p:cNvPr>
+            <p:cNvSpPr/>
+            <p:nvPr/>
+          </p:nvSpPr>
+          <p:spPr>
+            <a:xfrm>
+              <a:off x="1987737" y="2295554"/>
+              <a:ext cx="1026260" cy="413326"/>
+            </a:xfrm>
+            <a:prstGeom prst="roundRect">
+              <a:avLst/>
+            </a:prstGeom>
+            <a:noFill/>
+          </p:spPr>
+          <p:style>
+            <a:lnRef idx="2">
+              <a:schemeClr val="accent1">
+                <a:shade val="50000"/>
+              </a:schemeClr>
+            </a:lnRef>
+            <a:fillRef idx="1">
+              <a:schemeClr val="accent1"/>
+            </a:fillRef>
+            <a:effectRef idx="0">
+              <a:schemeClr val="accent1"/>
+            </a:effectRef>
+            <a:fontRef idx="minor">
+              <a:schemeClr val="lt1"/>
+            </a:fontRef>
+          </p:style>
+          <p:txBody>
+            <a:bodyPr rtlCol="0" anchor="ctr"/>
+            <a:lstStyle/>
+            <a:p>
+              <a:pPr algn="ctr"/>
+              <a:r>
+                <a:rPr lang="en-US" dirty="0">
+                  <a:solidFill>
+                    <a:schemeClr val="tx1"/>
+                  </a:solidFill>
+                </a:rPr>
+                <a:t>shardB/</a:t>
+              </a:r>
+            </a:p>
+          </p:txBody>
+        </p:sp>
+        <p:sp>
+          <p:nvSpPr>
+            <p:cNvPr id="19" name="Rectangle: Rounded Corners 18">
+              <a:extLst>
+                <a:ext uri="{FF2B5EF4-FFF2-40B4-BE49-F238E27FC236}">
+                  <a16:creationId xmlns:a16="http://schemas.microsoft.com/office/drawing/2014/main" id="{DCEBD757-03F4-4ED7-B003-C42933D30ACE}"/>
+                </a:ext>
+              </a:extLst>
+            </p:cNvPr>
+            <p:cNvSpPr/>
+            <p:nvPr/>
+          </p:nvSpPr>
+          <p:spPr>
+            <a:xfrm>
+              <a:off x="969992" y="1597714"/>
+              <a:ext cx="1350264" cy="413326"/>
+            </a:xfrm>
+            <a:prstGeom prst="roundRect">
+              <a:avLst/>
+            </a:prstGeom>
+            <a:noFill/>
+          </p:spPr>
+          <p:style>
+            <a:lnRef idx="2">
+              <a:schemeClr val="accent1">
+                <a:shade val="50000"/>
+              </a:schemeClr>
+            </a:lnRef>
+            <a:fillRef idx="1">
+              <a:schemeClr val="accent1"/>
+            </a:fillRef>
+            <a:effectRef idx="0">
+              <a:schemeClr val="accent1"/>
+            </a:effectRef>
+            <a:fontRef idx="minor">
+              <a:schemeClr val="lt1"/>
+            </a:fontRef>
+          </p:style>
+          <p:txBody>
+            <a:bodyPr rtlCol="0" anchor="ctr"/>
+            <a:lstStyle/>
+            <a:p>
+              <a:pPr algn="ctr"/>
+              <a:r>
+                <a:rPr lang="en-US" dirty="0">
+                  <a:solidFill>
+                    <a:schemeClr val="tx1"/>
+                  </a:solidFill>
+                </a:rPr>
+                <a:t>Broadcast/</a:t>
+              </a:r>
+            </a:p>
+          </p:txBody>
+        </p:sp>
+        <p:cxnSp>
+          <p:nvCxnSpPr>
+            <p:cNvPr id="23" name="Straight Connector 22">
+              <a:extLst>
+                <a:ext uri="{FF2B5EF4-FFF2-40B4-BE49-F238E27FC236}">
+                  <a16:creationId xmlns:a16="http://schemas.microsoft.com/office/drawing/2014/main" id="{FA8812B9-5724-4C71-AA26-6A2891525FA8}"/>
+                </a:ext>
+              </a:extLst>
+            </p:cNvPr>
+            <p:cNvCxnSpPr>
+              <a:stCxn id="5" idx="2"/>
+              <a:endCxn id="19" idx="0"/>
+            </p:cNvCxnSpPr>
+            <p:nvPr/>
+          </p:nvCxnSpPr>
+          <p:spPr>
+            <a:xfrm flipH="1">
+              <a:off x="1645124" y="1024325"/>
+              <a:ext cx="4377416" cy="573389"/>
+            </a:xfrm>
+            <a:prstGeom prst="line">
+              <a:avLst/>
+            </a:prstGeom>
+          </p:spPr>
+          <p:style>
+            <a:lnRef idx="1">
+              <a:schemeClr val="dk1"/>
+            </a:lnRef>
+            <a:fillRef idx="0">
+              <a:schemeClr val="dk1"/>
+            </a:fillRef>
+            <a:effectRef idx="0">
+              <a:schemeClr val="dk1"/>
+            </a:effectRef>
+            <a:fontRef idx="minor">
+              <a:schemeClr val="tx1"/>
+            </a:fontRef>
+          </p:style>
+        </p:cxnSp>
+        <p:cxnSp>
+          <p:nvCxnSpPr>
+            <p:cNvPr id="25" name="Straight Connector 24">
+              <a:extLst>
+                <a:ext uri="{FF2B5EF4-FFF2-40B4-BE49-F238E27FC236}">
+                  <a16:creationId xmlns:a16="http://schemas.microsoft.com/office/drawing/2014/main" id="{71F89BA4-0629-4B7B-BDC9-38690172961C}"/>
+                </a:ext>
+              </a:extLst>
+            </p:cNvPr>
+            <p:cNvCxnSpPr>
+              <a:stCxn id="5" idx="2"/>
+              <a:endCxn id="6" idx="0"/>
+            </p:cNvCxnSpPr>
+            <p:nvPr/>
+          </p:nvCxnSpPr>
+          <p:spPr>
+            <a:xfrm>
+              <a:off x="6022540" y="1024325"/>
+              <a:ext cx="73460" cy="509068"/>
+            </a:xfrm>
+            <a:prstGeom prst="line">
+              <a:avLst/>
+            </a:prstGeom>
+          </p:spPr>
+          <p:style>
+            <a:lnRef idx="1">
+              <a:schemeClr val="dk1"/>
+            </a:lnRef>
+            <a:fillRef idx="0">
+              <a:schemeClr val="dk1"/>
+            </a:fillRef>
+            <a:effectRef idx="0">
+              <a:schemeClr val="dk1"/>
+            </a:effectRef>
+            <a:fontRef idx="minor">
+              <a:schemeClr val="tx1"/>
+            </a:fontRef>
+          </p:style>
+        </p:cxnSp>
+        <p:cxnSp>
+          <p:nvCxnSpPr>
+            <p:cNvPr id="27" name="Straight Connector 26">
+              <a:extLst>
+                <a:ext uri="{FF2B5EF4-FFF2-40B4-BE49-F238E27FC236}">
+                  <a16:creationId xmlns:a16="http://schemas.microsoft.com/office/drawing/2014/main" id="{1C1C061F-590F-4E97-AAEA-B94F2C8D9A1B}"/>
+                </a:ext>
+              </a:extLst>
+            </p:cNvPr>
+            <p:cNvCxnSpPr>
+              <a:stCxn id="5" idx="2"/>
+              <a:endCxn id="7" idx="0"/>
+            </p:cNvCxnSpPr>
+            <p:nvPr/>
+          </p:nvCxnSpPr>
+          <p:spPr>
+            <a:xfrm>
+              <a:off x="6022540" y="1024325"/>
+              <a:ext cx="4298211" cy="509068"/>
+            </a:xfrm>
+            <a:prstGeom prst="line">
+              <a:avLst/>
+            </a:prstGeom>
+          </p:spPr>
+          <p:style>
+            <a:lnRef idx="1">
+              <a:schemeClr val="dk1"/>
+            </a:lnRef>
+            <a:fillRef idx="0">
+              <a:schemeClr val="dk1"/>
+            </a:fillRef>
+            <a:effectRef idx="0">
+              <a:schemeClr val="dk1"/>
+            </a:effectRef>
+            <a:fontRef idx="minor">
+              <a:schemeClr val="tx1"/>
+            </a:fontRef>
+          </p:style>
+        </p:cxnSp>
+        <p:cxnSp>
+          <p:nvCxnSpPr>
+            <p:cNvPr id="29" name="Straight Connector 28">
+              <a:extLst>
+                <a:ext uri="{FF2B5EF4-FFF2-40B4-BE49-F238E27FC236}">
+                  <a16:creationId xmlns:a16="http://schemas.microsoft.com/office/drawing/2014/main" id="{172169DD-0687-44FA-A58D-224AA53F1141}"/>
+                </a:ext>
+              </a:extLst>
+            </p:cNvPr>
+            <p:cNvCxnSpPr>
+              <a:cxnSpLocks/>
+              <a:stCxn id="19" idx="2"/>
+              <a:endCxn id="8" idx="0"/>
+            </p:cNvCxnSpPr>
+            <p:nvPr/>
+          </p:nvCxnSpPr>
+          <p:spPr>
+            <a:xfrm flipH="1">
+              <a:off x="653466" y="2011040"/>
+              <a:ext cx="991658" cy="260475"/>
+            </a:xfrm>
+            <a:prstGeom prst="line">
+              <a:avLst/>
+            </a:prstGeom>
+          </p:spPr>
+          <p:style>
+            <a:lnRef idx="1">
+              <a:schemeClr val="dk1"/>
+            </a:lnRef>
+            <a:fillRef idx="0">
+              <a:schemeClr val="dk1"/>
+            </a:fillRef>
+            <a:effectRef idx="0">
+              <a:schemeClr val="dk1"/>
+            </a:effectRef>
+            <a:fontRef idx="minor">
+              <a:schemeClr val="tx1"/>
+            </a:fontRef>
+          </p:style>
+        </p:cxnSp>
+        <p:cxnSp>
+          <p:nvCxnSpPr>
+            <p:cNvPr id="31" name="Straight Connector 30">
+              <a:extLst>
+                <a:ext uri="{FF2B5EF4-FFF2-40B4-BE49-F238E27FC236}">
+                  <a16:creationId xmlns:a16="http://schemas.microsoft.com/office/drawing/2014/main" id="{F8BC435B-E454-4017-8494-13F68ABC9BE1}"/>
+                </a:ext>
+              </a:extLst>
+            </p:cNvPr>
+            <p:cNvCxnSpPr>
+              <a:cxnSpLocks/>
+              <a:stCxn id="19" idx="2"/>
+              <a:endCxn id="9" idx="0"/>
+            </p:cNvCxnSpPr>
+            <p:nvPr/>
+          </p:nvCxnSpPr>
+          <p:spPr>
+            <a:xfrm>
+              <a:off x="1645124" y="2011040"/>
+              <a:ext cx="855743" cy="284514"/>
+            </a:xfrm>
+            <a:prstGeom prst="line">
+              <a:avLst/>
+            </a:prstGeom>
+          </p:spPr>
+          <p:style>
+            <a:lnRef idx="1">
+              <a:schemeClr val="dk1"/>
+            </a:lnRef>
+            <a:fillRef idx="0">
+              <a:schemeClr val="dk1"/>
+            </a:fillRef>
+            <a:effectRef idx="0">
+              <a:schemeClr val="dk1"/>
+            </a:effectRef>
+            <a:fontRef idx="minor">
+              <a:schemeClr val="tx1"/>
+            </a:fontRef>
+          </p:style>
+        </p:cxnSp>
+        <p:sp>
+          <p:nvSpPr>
+            <p:cNvPr id="41" name="Rectangle: Rounded Corners 40">
+              <a:extLst>
+                <a:ext uri="{FF2B5EF4-FFF2-40B4-BE49-F238E27FC236}">
+                  <a16:creationId xmlns:a16="http://schemas.microsoft.com/office/drawing/2014/main" id="{84F7F647-5FA6-4E24-9FD5-61A4DBA149FF}"/>
+                </a:ext>
+              </a:extLst>
+            </p:cNvPr>
+            <p:cNvSpPr/>
+            <p:nvPr/>
+          </p:nvSpPr>
+          <p:spPr>
+            <a:xfrm>
+              <a:off x="4576982" y="2282894"/>
+              <a:ext cx="973426" cy="413326"/>
+            </a:xfrm>
+            <a:prstGeom prst="roundRect">
+              <a:avLst/>
+            </a:prstGeom>
+            <a:noFill/>
+          </p:spPr>
+          <p:style>
+            <a:lnRef idx="2">
+              <a:schemeClr val="accent1">
+                <a:shade val="50000"/>
+              </a:schemeClr>
+            </a:lnRef>
+            <a:fillRef idx="1">
+              <a:schemeClr val="accent1"/>
+            </a:fillRef>
+            <a:effectRef idx="0">
+              <a:schemeClr val="accent1"/>
+            </a:effectRef>
+            <a:fontRef idx="minor">
+              <a:schemeClr val="lt1"/>
+            </a:fontRef>
+          </p:style>
+          <p:txBody>
+            <a:bodyPr rtlCol="0" anchor="ctr"/>
+            <a:lstStyle/>
+            <a:p>
+              <a:pPr algn="ctr"/>
+              <a:r>
+                <a:rPr lang="en-US" dirty="0">
+                  <a:solidFill>
+                    <a:schemeClr val="tx1"/>
+                  </a:solidFill>
+                </a:rPr>
+                <a:t>shardA/</a:t>
+              </a:r>
+            </a:p>
+          </p:txBody>
+        </p:sp>
+        <p:sp>
+          <p:nvSpPr>
+            <p:cNvPr id="42" name="Rectangle: Rounded Corners 41">
+              <a:extLst>
+                <a:ext uri="{FF2B5EF4-FFF2-40B4-BE49-F238E27FC236}">
+                  <a16:creationId xmlns:a16="http://schemas.microsoft.com/office/drawing/2014/main" id="{2F9EA02F-AA61-4941-8CD2-D91689317C20}"/>
+                </a:ext>
+              </a:extLst>
+            </p:cNvPr>
+            <p:cNvSpPr/>
+            <p:nvPr/>
+          </p:nvSpPr>
+          <p:spPr>
+            <a:xfrm>
+              <a:off x="6445808" y="2313740"/>
+              <a:ext cx="964654" cy="413326"/>
+            </a:xfrm>
+            <a:prstGeom prst="roundRect">
+              <a:avLst/>
+            </a:prstGeom>
+            <a:noFill/>
+          </p:spPr>
+          <p:style>
+            <a:lnRef idx="2">
+              <a:schemeClr val="accent1">
+                <a:shade val="50000"/>
+              </a:schemeClr>
+            </a:lnRef>
+            <a:fillRef idx="1">
+              <a:schemeClr val="accent1"/>
+            </a:fillRef>
+            <a:effectRef idx="0">
+              <a:schemeClr val="accent1"/>
+            </a:effectRef>
+            <a:fontRef idx="minor">
+              <a:schemeClr val="lt1"/>
+            </a:fontRef>
+          </p:style>
+          <p:txBody>
+            <a:bodyPr rtlCol="0" anchor="ctr"/>
+            <a:lstStyle/>
+            <a:p>
+              <a:pPr algn="ctr"/>
+              <a:r>
+                <a:rPr lang="en-US" dirty="0">
+                  <a:solidFill>
+                    <a:schemeClr val="tx1"/>
+                  </a:solidFill>
+                </a:rPr>
+                <a:t>shardB/</a:t>
+              </a:r>
+            </a:p>
+          </p:txBody>
+        </p:sp>
+        <p:cxnSp>
+          <p:nvCxnSpPr>
+            <p:cNvPr id="44" name="Straight Connector 43">
+              <a:extLst>
+                <a:ext uri="{FF2B5EF4-FFF2-40B4-BE49-F238E27FC236}">
+                  <a16:creationId xmlns:a16="http://schemas.microsoft.com/office/drawing/2014/main" id="{A152705C-85B1-4E86-B0B3-3DF68078E8FB}"/>
+                </a:ext>
+              </a:extLst>
+            </p:cNvPr>
+            <p:cNvCxnSpPr>
+              <a:cxnSpLocks/>
+              <a:stCxn id="6" idx="2"/>
+              <a:endCxn id="41" idx="0"/>
+            </p:cNvCxnSpPr>
+            <p:nvPr/>
+          </p:nvCxnSpPr>
+          <p:spPr>
+            <a:xfrm flipH="1">
+              <a:off x="5063695" y="1946719"/>
+              <a:ext cx="1032305" cy="336175"/>
+            </a:xfrm>
+            <a:prstGeom prst="line">
+              <a:avLst/>
+            </a:prstGeom>
+          </p:spPr>
+          <p:style>
+            <a:lnRef idx="1">
+              <a:schemeClr val="dk1"/>
+            </a:lnRef>
+            <a:fillRef idx="0">
+              <a:schemeClr val="dk1"/>
+            </a:fillRef>
+            <a:effectRef idx="0">
+              <a:schemeClr val="dk1"/>
+            </a:effectRef>
+            <a:fontRef idx="minor">
+              <a:schemeClr val="tx1"/>
+            </a:fontRef>
+          </p:style>
+        </p:cxnSp>
+        <p:cxnSp>
+          <p:nvCxnSpPr>
+            <p:cNvPr id="45" name="Straight Connector 44">
+              <a:extLst>
+                <a:ext uri="{FF2B5EF4-FFF2-40B4-BE49-F238E27FC236}">
+                  <a16:creationId xmlns:a16="http://schemas.microsoft.com/office/drawing/2014/main" id="{9537BC20-2B87-42F7-B486-0A3AED1DB327}"/>
+                </a:ext>
+              </a:extLst>
+            </p:cNvPr>
+            <p:cNvCxnSpPr>
+              <a:cxnSpLocks/>
+              <a:stCxn id="6" idx="2"/>
+              <a:endCxn id="42" idx="0"/>
+            </p:cNvCxnSpPr>
+            <p:nvPr/>
+          </p:nvCxnSpPr>
+          <p:spPr>
+            <a:xfrm>
+              <a:off x="6096000" y="1946719"/>
+              <a:ext cx="832135" cy="367021"/>
+            </a:xfrm>
+            <a:prstGeom prst="line">
+              <a:avLst/>
+            </a:prstGeom>
+          </p:spPr>
+          <p:style>
+            <a:lnRef idx="1">
+              <a:schemeClr val="dk1"/>
+            </a:lnRef>
+            <a:fillRef idx="0">
+              <a:schemeClr val="dk1"/>
+            </a:fillRef>
+            <a:effectRef idx="0">
+              <a:schemeClr val="dk1"/>
+            </a:effectRef>
+            <a:fontRef idx="minor">
+              <a:schemeClr val="tx1"/>
+            </a:fontRef>
+          </p:style>
+        </p:cxnSp>
+        <p:sp>
+          <p:nvSpPr>
+            <p:cNvPr id="47" name="Rectangle: Rounded Corners 46">
+              <a:extLst>
+                <a:ext uri="{FF2B5EF4-FFF2-40B4-BE49-F238E27FC236}">
+                  <a16:creationId xmlns:a16="http://schemas.microsoft.com/office/drawing/2014/main" id="{A8DDD41B-2E5D-4DB0-8465-57033F59DC23}"/>
+                </a:ext>
+              </a:extLst>
+            </p:cNvPr>
+            <p:cNvSpPr/>
+            <p:nvPr/>
+          </p:nvSpPr>
+          <p:spPr>
+            <a:xfrm>
+              <a:off x="8856899" y="2282894"/>
+              <a:ext cx="968973" cy="413326"/>
+            </a:xfrm>
+            <a:prstGeom prst="roundRect">
+              <a:avLst/>
+            </a:prstGeom>
+            <a:noFill/>
+          </p:spPr>
+          <p:style>
+            <a:lnRef idx="2">
+              <a:schemeClr val="accent1">
+                <a:shade val="50000"/>
+              </a:schemeClr>
+            </a:lnRef>
+            <a:fillRef idx="1">
+              <a:schemeClr val="accent1"/>
+            </a:fillRef>
+            <a:effectRef idx="0">
+              <a:schemeClr val="accent1"/>
+            </a:effectRef>
+            <a:fontRef idx="minor">
+              <a:schemeClr val="lt1"/>
+            </a:fontRef>
+          </p:style>
+          <p:txBody>
+            <a:bodyPr rtlCol="0" anchor="ctr"/>
+            <a:lstStyle/>
+            <a:p>
+              <a:pPr algn="ctr"/>
+              <a:r>
+                <a:rPr lang="en-US" dirty="0">
+                  <a:solidFill>
+                    <a:schemeClr val="tx1"/>
+                  </a:solidFill>
+                </a:rPr>
+                <a:t>shardA/</a:t>
+              </a:r>
+            </a:p>
+          </p:txBody>
+        </p:sp>
+        <p:sp>
+          <p:nvSpPr>
+            <p:cNvPr id="48" name="Rectangle: Rounded Corners 47">
+              <a:extLst>
+                <a:ext uri="{FF2B5EF4-FFF2-40B4-BE49-F238E27FC236}">
+                  <a16:creationId xmlns:a16="http://schemas.microsoft.com/office/drawing/2014/main" id="{5DC8B68E-C5D3-4EBB-B0AF-69423099E8BD}"/>
+                </a:ext>
+              </a:extLst>
+            </p:cNvPr>
+            <p:cNvSpPr/>
+            <p:nvPr/>
+          </p:nvSpPr>
+          <p:spPr>
+            <a:xfrm>
+              <a:off x="11035231" y="2285854"/>
+              <a:ext cx="992778" cy="413326"/>
+            </a:xfrm>
+            <a:prstGeom prst="roundRect">
+              <a:avLst/>
+            </a:prstGeom>
+            <a:noFill/>
+          </p:spPr>
+          <p:style>
+            <a:lnRef idx="2">
+              <a:schemeClr val="accent1">
+                <a:shade val="50000"/>
+              </a:schemeClr>
+            </a:lnRef>
+            <a:fillRef idx="1">
+              <a:schemeClr val="accent1"/>
+            </a:fillRef>
+            <a:effectRef idx="0">
+              <a:schemeClr val="accent1"/>
+            </a:effectRef>
+            <a:fontRef idx="minor">
+              <a:schemeClr val="lt1"/>
+            </a:fontRef>
+          </p:style>
+          <p:txBody>
+            <a:bodyPr rtlCol="0" anchor="ctr"/>
+            <a:lstStyle/>
+            <a:p>
+              <a:pPr algn="ctr"/>
+              <a:r>
+                <a:rPr lang="en-US" dirty="0">
+                  <a:solidFill>
+                    <a:schemeClr val="tx1"/>
+                  </a:solidFill>
+                </a:rPr>
+                <a:t>shardB/</a:t>
+              </a:r>
+            </a:p>
+          </p:txBody>
+        </p:sp>
+        <p:cxnSp>
+          <p:nvCxnSpPr>
+            <p:cNvPr id="50" name="Straight Connector 49">
+              <a:extLst>
+                <a:ext uri="{FF2B5EF4-FFF2-40B4-BE49-F238E27FC236}">
+                  <a16:creationId xmlns:a16="http://schemas.microsoft.com/office/drawing/2014/main" id="{A68F1653-5D26-4207-9A30-94A492B5FF2C}"/>
+                </a:ext>
+              </a:extLst>
+            </p:cNvPr>
+            <p:cNvCxnSpPr>
+              <a:cxnSpLocks/>
+              <a:stCxn id="7" idx="2"/>
+              <a:endCxn id="47" idx="0"/>
+            </p:cNvCxnSpPr>
+            <p:nvPr/>
+          </p:nvCxnSpPr>
+          <p:spPr>
+            <a:xfrm flipH="1">
+              <a:off x="9341386" y="1946719"/>
+              <a:ext cx="979365" cy="336175"/>
+            </a:xfrm>
+            <a:prstGeom prst="line">
+              <a:avLst/>
+            </a:prstGeom>
+          </p:spPr>
+          <p:style>
+            <a:lnRef idx="1">
+              <a:schemeClr val="dk1"/>
+            </a:lnRef>
+            <a:fillRef idx="0">
+              <a:schemeClr val="dk1"/>
+            </a:fillRef>
+            <a:effectRef idx="0">
+              <a:schemeClr val="dk1"/>
+            </a:effectRef>
+            <a:fontRef idx="minor">
+              <a:schemeClr val="tx1"/>
+            </a:fontRef>
+          </p:style>
+        </p:cxnSp>
+        <p:cxnSp>
+          <p:nvCxnSpPr>
+            <p:cNvPr id="51" name="Straight Connector 50">
+              <a:extLst>
+                <a:ext uri="{FF2B5EF4-FFF2-40B4-BE49-F238E27FC236}">
+                  <a16:creationId xmlns:a16="http://schemas.microsoft.com/office/drawing/2014/main" id="{B8AF8455-D156-46B1-82BD-A99AB89C819B}"/>
+                </a:ext>
+              </a:extLst>
+            </p:cNvPr>
+            <p:cNvCxnSpPr>
+              <a:cxnSpLocks/>
+              <a:stCxn id="7" idx="2"/>
+              <a:endCxn id="48" idx="0"/>
+            </p:cNvCxnSpPr>
+            <p:nvPr/>
+          </p:nvCxnSpPr>
+          <p:spPr>
+            <a:xfrm>
+              <a:off x="10320751" y="1946719"/>
+              <a:ext cx="1210869" cy="339135"/>
+            </a:xfrm>
+            <a:prstGeom prst="line">
+              <a:avLst/>
+            </a:prstGeom>
+          </p:spPr>
+          <p:style>
+            <a:lnRef idx="1">
+              <a:schemeClr val="dk1"/>
+            </a:lnRef>
+            <a:fillRef idx="0">
+              <a:schemeClr val="dk1"/>
+            </a:fillRef>
+            <a:effectRef idx="0">
+              <a:schemeClr val="dk1"/>
+            </a:effectRef>
+            <a:fontRef idx="minor">
+              <a:schemeClr val="tx1"/>
+            </a:fontRef>
+          </p:style>
+        </p:cxnSp>
+        <p:sp>
+          <p:nvSpPr>
+            <p:cNvPr id="70" name="Rectangle: Rounded Corners 69">
+              <a:extLst>
+                <a:ext uri="{FF2B5EF4-FFF2-40B4-BE49-F238E27FC236}">
+                  <a16:creationId xmlns:a16="http://schemas.microsoft.com/office/drawing/2014/main" id="{3D3246C2-BB43-4942-87AA-5077615CD461}"/>
+                </a:ext>
+              </a:extLst>
+            </p:cNvPr>
+            <p:cNvSpPr/>
+            <p:nvPr/>
+          </p:nvSpPr>
+          <p:spPr>
+            <a:xfrm>
+              <a:off x="3097524" y="5833675"/>
+              <a:ext cx="973426" cy="573388"/>
+            </a:xfrm>
+            <a:prstGeom prst="roundRect">
+              <a:avLst/>
+            </a:prstGeom>
+            <a:noFill/>
+          </p:spPr>
+          <p:style>
+            <a:lnRef idx="2">
+              <a:schemeClr val="accent1">
+                <a:shade val="50000"/>
+              </a:schemeClr>
+            </a:lnRef>
+            <a:fillRef idx="1">
+              <a:schemeClr val="accent1"/>
+            </a:fillRef>
+            <a:effectRef idx="0">
+              <a:schemeClr val="accent1"/>
+            </a:effectRef>
+            <a:fontRef idx="minor">
+              <a:schemeClr val="lt1"/>
+            </a:fontRef>
+          </p:style>
+          <p:txBody>
+            <a:bodyPr rtlCol="0" anchor="ctr"/>
+            <a:lstStyle/>
+            <a:p>
+              <a:pPr algn="ctr"/>
+              <a:r>
+                <a:rPr lang="en-US" dirty="0">
+                  <a:solidFill>
+                    <a:schemeClr val="tx1"/>
+                  </a:solidFill>
+                </a:rPr>
+                <a:t>aNode-0001</a:t>
+              </a:r>
+            </a:p>
+          </p:txBody>
+        </p:sp>
+        <p:sp>
+          <p:nvSpPr>
+            <p:cNvPr id="72" name="Rectangle: Rounded Corners 71">
+              <a:extLst>
+                <a:ext uri="{FF2B5EF4-FFF2-40B4-BE49-F238E27FC236}">
+                  <a16:creationId xmlns:a16="http://schemas.microsoft.com/office/drawing/2014/main" id="{628961F3-4468-4EFE-94B2-E303217A2031}"/>
+                </a:ext>
+              </a:extLst>
+            </p:cNvPr>
+            <p:cNvSpPr/>
+            <p:nvPr/>
+          </p:nvSpPr>
+          <p:spPr>
+            <a:xfrm>
+              <a:off x="4179895" y="5833675"/>
+              <a:ext cx="973426" cy="573388"/>
+            </a:xfrm>
+            <a:prstGeom prst="roundRect">
+              <a:avLst/>
+            </a:prstGeom>
+            <a:noFill/>
+          </p:spPr>
+          <p:style>
+            <a:lnRef idx="2">
+              <a:schemeClr val="accent1">
+                <a:shade val="50000"/>
+              </a:schemeClr>
+            </a:lnRef>
+            <a:fillRef idx="1">
+              <a:schemeClr val="accent1"/>
+            </a:fillRef>
+            <a:effectRef idx="0">
+              <a:schemeClr val="accent1"/>
+            </a:effectRef>
+            <a:fontRef idx="minor">
+              <a:schemeClr val="lt1"/>
+            </a:fontRef>
+          </p:style>
+          <p:txBody>
+            <a:bodyPr rtlCol="0" anchor="ctr"/>
+            <a:lstStyle/>
+            <a:p>
+              <a:pPr algn="ctr"/>
+              <a:r>
+                <a:rPr lang="en-US" dirty="0">
+                  <a:solidFill>
+                    <a:schemeClr val="tx1"/>
+                  </a:solidFill>
+                </a:rPr>
+                <a:t>aNode-0002</a:t>
+              </a:r>
+            </a:p>
+          </p:txBody>
+        </p:sp>
+        <p:cxnSp>
+          <p:nvCxnSpPr>
+            <p:cNvPr id="78" name="Straight Connector 77">
+              <a:extLst>
+                <a:ext uri="{FF2B5EF4-FFF2-40B4-BE49-F238E27FC236}">
+                  <a16:creationId xmlns:a16="http://schemas.microsoft.com/office/drawing/2014/main" id="{B6FB8C9D-07FC-4F71-A34D-80ED0BAF1C94}"/>
+                </a:ext>
+              </a:extLst>
+            </p:cNvPr>
+            <p:cNvCxnSpPr>
+              <a:cxnSpLocks/>
+              <a:stCxn id="41" idx="2"/>
+              <a:endCxn id="70" idx="0"/>
+            </p:cNvCxnSpPr>
+            <p:nvPr/>
+          </p:nvCxnSpPr>
+          <p:spPr>
+            <a:xfrm flipH="1">
+              <a:off x="3584237" y="2696220"/>
+              <a:ext cx="1479458" cy="3137455"/>
+            </a:xfrm>
+            <a:prstGeom prst="line">
+              <a:avLst/>
+            </a:prstGeom>
+          </p:spPr>
+          <p:style>
+            <a:lnRef idx="1">
+              <a:schemeClr val="dk1"/>
+            </a:lnRef>
+            <a:fillRef idx="0">
+              <a:schemeClr val="dk1"/>
+            </a:fillRef>
+            <a:effectRef idx="0">
+              <a:schemeClr val="dk1"/>
+            </a:effectRef>
+            <a:fontRef idx="minor">
+              <a:schemeClr val="tx1"/>
+            </a:fontRef>
+          </p:style>
+        </p:cxnSp>
+        <p:cxnSp>
+          <p:nvCxnSpPr>
+            <p:cNvPr id="80" name="Straight Connector 79">
+              <a:extLst>
+                <a:ext uri="{FF2B5EF4-FFF2-40B4-BE49-F238E27FC236}">
+                  <a16:creationId xmlns:a16="http://schemas.microsoft.com/office/drawing/2014/main" id="{8E87B13F-C596-46D9-86AB-F515AFD95C0F}"/>
+                </a:ext>
+              </a:extLst>
+            </p:cNvPr>
+            <p:cNvCxnSpPr>
+              <a:cxnSpLocks/>
+              <a:stCxn id="41" idx="2"/>
+              <a:endCxn id="72" idx="0"/>
+            </p:cNvCxnSpPr>
+            <p:nvPr/>
+          </p:nvCxnSpPr>
+          <p:spPr>
+            <a:xfrm flipH="1">
+              <a:off x="4666608" y="2696220"/>
+              <a:ext cx="397087" cy="3137455"/>
+            </a:xfrm>
+            <a:prstGeom prst="line">
+              <a:avLst/>
+            </a:prstGeom>
+          </p:spPr>
+          <p:style>
+            <a:lnRef idx="1">
+              <a:schemeClr val="dk1"/>
+            </a:lnRef>
+            <a:fillRef idx="0">
+              <a:schemeClr val="dk1"/>
+            </a:fillRef>
+            <a:effectRef idx="0">
+              <a:schemeClr val="dk1"/>
+            </a:effectRef>
+            <a:fontRef idx="minor">
+              <a:schemeClr val="tx1"/>
+            </a:fontRef>
+          </p:style>
+        </p:cxnSp>
+        <p:sp>
+          <p:nvSpPr>
+            <p:cNvPr id="81" name="Rectangle: Rounded Corners 80">
+              <a:extLst>
+                <a:ext uri="{FF2B5EF4-FFF2-40B4-BE49-F238E27FC236}">
+                  <a16:creationId xmlns:a16="http://schemas.microsoft.com/office/drawing/2014/main" id="{FAB432E2-DD07-4F35-A202-C0750C1899A8}"/>
+                </a:ext>
+              </a:extLst>
+            </p:cNvPr>
+            <p:cNvSpPr/>
+            <p:nvPr/>
+          </p:nvSpPr>
+          <p:spPr>
+            <a:xfrm>
+              <a:off x="5272424" y="5833675"/>
+              <a:ext cx="964654" cy="573388"/>
+            </a:xfrm>
+            <a:prstGeom prst="roundRect">
+              <a:avLst/>
+            </a:prstGeom>
+            <a:noFill/>
+          </p:spPr>
+          <p:style>
+            <a:lnRef idx="2">
+              <a:schemeClr val="accent1">
+                <a:shade val="50000"/>
+              </a:schemeClr>
+            </a:lnRef>
+            <a:fillRef idx="1">
+              <a:schemeClr val="accent1"/>
+            </a:fillRef>
+            <a:effectRef idx="0">
+              <a:schemeClr val="accent1"/>
+            </a:effectRef>
+            <a:fontRef idx="minor">
+              <a:schemeClr val="lt1"/>
+            </a:fontRef>
+          </p:style>
+          <p:txBody>
+            <a:bodyPr rtlCol="0" anchor="ctr"/>
+            <a:lstStyle/>
+            <a:p>
+              <a:pPr algn="ctr"/>
+              <a:r>
+                <a:rPr lang="en-US" dirty="0">
+                  <a:solidFill>
+                    <a:schemeClr val="tx1"/>
+                  </a:solidFill>
+                </a:rPr>
+                <a:t>bNode-0001</a:t>
+              </a:r>
+            </a:p>
+          </p:txBody>
+        </p:sp>
+        <p:sp>
+          <p:nvSpPr>
+            <p:cNvPr id="82" name="Rectangle: Rounded Corners 81">
+              <a:extLst>
+                <a:ext uri="{FF2B5EF4-FFF2-40B4-BE49-F238E27FC236}">
+                  <a16:creationId xmlns:a16="http://schemas.microsoft.com/office/drawing/2014/main" id="{191E8BBE-63F6-4CBB-82EB-922A45928D4A}"/>
+                </a:ext>
+              </a:extLst>
+            </p:cNvPr>
+            <p:cNvSpPr/>
+            <p:nvPr/>
+          </p:nvSpPr>
+          <p:spPr>
+            <a:xfrm>
+              <a:off x="6356181" y="5833675"/>
+              <a:ext cx="964654" cy="573388"/>
+            </a:xfrm>
+            <a:prstGeom prst="roundRect">
+              <a:avLst/>
+            </a:prstGeom>
+            <a:noFill/>
+          </p:spPr>
+          <p:style>
+            <a:lnRef idx="2">
+              <a:schemeClr val="accent1">
+                <a:shade val="50000"/>
+              </a:schemeClr>
+            </a:lnRef>
+            <a:fillRef idx="1">
+              <a:schemeClr val="accent1"/>
+            </a:fillRef>
+            <a:effectRef idx="0">
+              <a:schemeClr val="accent1"/>
+            </a:effectRef>
+            <a:fontRef idx="minor">
+              <a:schemeClr val="lt1"/>
+            </a:fontRef>
+          </p:style>
+          <p:txBody>
+            <a:bodyPr rtlCol="0" anchor="ctr"/>
+            <a:lstStyle/>
+            <a:p>
+              <a:pPr algn="ctr"/>
+              <a:r>
+                <a:rPr lang="en-US" dirty="0">
+                  <a:solidFill>
+                    <a:schemeClr val="tx1"/>
+                  </a:solidFill>
+                </a:rPr>
+                <a:t>bNode-0002</a:t>
+              </a:r>
+            </a:p>
+          </p:txBody>
+        </p:sp>
+        <p:cxnSp>
+          <p:nvCxnSpPr>
+            <p:cNvPr id="83" name="Straight Connector 82">
+              <a:extLst>
+                <a:ext uri="{FF2B5EF4-FFF2-40B4-BE49-F238E27FC236}">
+                  <a16:creationId xmlns:a16="http://schemas.microsoft.com/office/drawing/2014/main" id="{3F736C0E-5166-4917-B6E7-FA6D40817012}"/>
+                </a:ext>
+              </a:extLst>
+            </p:cNvPr>
+            <p:cNvCxnSpPr>
+              <a:cxnSpLocks/>
+              <a:stCxn id="42" idx="2"/>
+              <a:endCxn id="81" idx="0"/>
+            </p:cNvCxnSpPr>
+            <p:nvPr/>
+          </p:nvCxnSpPr>
+          <p:spPr>
+            <a:xfrm flipH="1">
+              <a:off x="5754751" y="2727066"/>
+              <a:ext cx="1173384" cy="3106609"/>
+            </a:xfrm>
+            <a:prstGeom prst="line">
+              <a:avLst/>
+            </a:prstGeom>
+          </p:spPr>
+          <p:style>
+            <a:lnRef idx="1">
+              <a:schemeClr val="dk1"/>
+            </a:lnRef>
+            <a:fillRef idx="0">
+              <a:schemeClr val="dk1"/>
+            </a:fillRef>
+            <a:effectRef idx="0">
+              <a:schemeClr val="dk1"/>
+            </a:effectRef>
+            <a:fontRef idx="minor">
+              <a:schemeClr val="tx1"/>
+            </a:fontRef>
+          </p:style>
+        </p:cxnSp>
+        <p:cxnSp>
+          <p:nvCxnSpPr>
+            <p:cNvPr id="84" name="Straight Connector 83">
+              <a:extLst>
+                <a:ext uri="{FF2B5EF4-FFF2-40B4-BE49-F238E27FC236}">
+                  <a16:creationId xmlns:a16="http://schemas.microsoft.com/office/drawing/2014/main" id="{4D76DBF6-CE62-4DB0-ADE0-85BEB4D93237}"/>
+                </a:ext>
+              </a:extLst>
+            </p:cNvPr>
+            <p:cNvCxnSpPr>
+              <a:cxnSpLocks/>
+              <a:stCxn id="42" idx="2"/>
+              <a:endCxn id="82" idx="0"/>
+            </p:cNvCxnSpPr>
+            <p:nvPr/>
+          </p:nvCxnSpPr>
+          <p:spPr>
+            <a:xfrm flipH="1">
+              <a:off x="6838508" y="2727066"/>
+              <a:ext cx="89627" cy="3106609"/>
+            </a:xfrm>
+            <a:prstGeom prst="line">
+              <a:avLst/>
+            </a:prstGeom>
+          </p:spPr>
+          <p:style>
+            <a:lnRef idx="1">
+              <a:schemeClr val="dk1"/>
+            </a:lnRef>
+            <a:fillRef idx="0">
+              <a:schemeClr val="dk1"/>
+            </a:fillRef>
+            <a:effectRef idx="0">
+              <a:schemeClr val="dk1"/>
+            </a:effectRef>
+            <a:fontRef idx="minor">
+              <a:schemeClr val="tx1"/>
+            </a:fontRef>
+          </p:style>
+        </p:cxnSp>
+        <p:sp>
+          <p:nvSpPr>
+            <p:cNvPr id="122" name="Rectangle: Rounded Corners 121">
+              <a:extLst>
+                <a:ext uri="{FF2B5EF4-FFF2-40B4-BE49-F238E27FC236}">
+                  <a16:creationId xmlns:a16="http://schemas.microsoft.com/office/drawing/2014/main" id="{99CD4C3A-1444-43DF-92CA-04BF4CDD2F7F}"/>
+                </a:ext>
+              </a:extLst>
+            </p:cNvPr>
+            <p:cNvSpPr/>
+            <p:nvPr/>
+          </p:nvSpPr>
+          <p:spPr>
+            <a:xfrm>
+              <a:off x="7713535" y="5833675"/>
+              <a:ext cx="964654" cy="573388"/>
+            </a:xfrm>
+            <a:prstGeom prst="roundRect">
+              <a:avLst/>
+            </a:prstGeom>
+            <a:noFill/>
+          </p:spPr>
+          <p:style>
+            <a:lnRef idx="2">
+              <a:schemeClr val="accent1">
+                <a:shade val="50000"/>
+              </a:schemeClr>
+            </a:lnRef>
+            <a:fillRef idx="1">
+              <a:schemeClr val="accent1"/>
+            </a:fillRef>
+            <a:effectRef idx="0">
+              <a:schemeClr val="accent1"/>
+            </a:effectRef>
+            <a:fontRef idx="minor">
+              <a:schemeClr val="lt1"/>
+            </a:fontRef>
+          </p:style>
+          <p:txBody>
+            <a:bodyPr rtlCol="0" anchor="ctr"/>
+            <a:lstStyle/>
+            <a:p>
+              <a:pPr algn="ctr"/>
+              <a:r>
+                <a:rPr lang="en-US" dirty="0">
+                  <a:solidFill>
+                    <a:schemeClr val="tx1"/>
+                  </a:solidFill>
+                </a:rPr>
+                <a:t>aNode-0001</a:t>
+              </a:r>
+            </a:p>
+          </p:txBody>
+        </p:sp>
+        <p:sp>
+          <p:nvSpPr>
+            <p:cNvPr id="123" name="Rectangle: Rounded Corners 122">
+              <a:extLst>
+                <a:ext uri="{FF2B5EF4-FFF2-40B4-BE49-F238E27FC236}">
+                  <a16:creationId xmlns:a16="http://schemas.microsoft.com/office/drawing/2014/main" id="{9E10A2CB-6115-4657-A98B-D1BFE269609E}"/>
+                </a:ext>
+              </a:extLst>
+            </p:cNvPr>
+            <p:cNvSpPr/>
+            <p:nvPr/>
+          </p:nvSpPr>
+          <p:spPr>
+            <a:xfrm>
+              <a:off x="8829279" y="5833675"/>
+              <a:ext cx="954344" cy="573388"/>
+            </a:xfrm>
+            <a:prstGeom prst="roundRect">
+              <a:avLst/>
+            </a:prstGeom>
+            <a:noFill/>
+          </p:spPr>
+          <p:style>
+            <a:lnRef idx="2">
+              <a:schemeClr val="accent1">
+                <a:shade val="50000"/>
+              </a:schemeClr>
+            </a:lnRef>
+            <a:fillRef idx="1">
+              <a:schemeClr val="accent1"/>
+            </a:fillRef>
+            <a:effectRef idx="0">
+              <a:schemeClr val="accent1"/>
+            </a:effectRef>
+            <a:fontRef idx="minor">
+              <a:schemeClr val="lt1"/>
+            </a:fontRef>
+          </p:style>
+          <p:txBody>
+            <a:bodyPr rtlCol="0" anchor="ctr"/>
+            <a:lstStyle/>
+            <a:p>
+              <a:pPr algn="ctr"/>
+              <a:r>
+                <a:rPr lang="en-US" dirty="0">
+                  <a:solidFill>
+                    <a:schemeClr val="tx1"/>
+                  </a:solidFill>
+                </a:rPr>
+                <a:t>aNode-0002</a:t>
+              </a:r>
+            </a:p>
+          </p:txBody>
+        </p:sp>
+        <p:cxnSp>
+          <p:nvCxnSpPr>
+            <p:cNvPr id="124" name="Straight Connector 123">
+              <a:extLst>
+                <a:ext uri="{FF2B5EF4-FFF2-40B4-BE49-F238E27FC236}">
+                  <a16:creationId xmlns:a16="http://schemas.microsoft.com/office/drawing/2014/main" id="{2990A5B4-10F2-4D01-A157-7653E021985B}"/>
+                </a:ext>
+              </a:extLst>
+            </p:cNvPr>
+            <p:cNvCxnSpPr>
+              <a:cxnSpLocks/>
+              <a:stCxn id="47" idx="2"/>
+              <a:endCxn id="122" idx="0"/>
+            </p:cNvCxnSpPr>
+            <p:nvPr/>
+          </p:nvCxnSpPr>
+          <p:spPr>
+            <a:xfrm flipH="1">
+              <a:off x="8195862" y="2696220"/>
+              <a:ext cx="1145524" cy="3137455"/>
+            </a:xfrm>
+            <a:prstGeom prst="line">
+              <a:avLst/>
+            </a:prstGeom>
+          </p:spPr>
+          <p:style>
+            <a:lnRef idx="1">
+              <a:schemeClr val="dk1"/>
+            </a:lnRef>
+            <a:fillRef idx="0">
+              <a:schemeClr val="dk1"/>
+            </a:fillRef>
+            <a:effectRef idx="0">
+              <a:schemeClr val="dk1"/>
+            </a:effectRef>
+            <a:fontRef idx="minor">
+              <a:schemeClr val="tx1"/>
+            </a:fontRef>
+          </p:style>
+        </p:cxnSp>
+        <p:cxnSp>
+          <p:nvCxnSpPr>
+            <p:cNvPr id="125" name="Straight Connector 124">
+              <a:extLst>
+                <a:ext uri="{FF2B5EF4-FFF2-40B4-BE49-F238E27FC236}">
+                  <a16:creationId xmlns:a16="http://schemas.microsoft.com/office/drawing/2014/main" id="{05F8DC1C-038A-4DD2-9571-10668674EE52}"/>
+                </a:ext>
+              </a:extLst>
+            </p:cNvPr>
+            <p:cNvCxnSpPr>
+              <a:cxnSpLocks/>
+              <a:stCxn id="47" idx="2"/>
+              <a:endCxn id="123" idx="0"/>
+            </p:cNvCxnSpPr>
+            <p:nvPr/>
+          </p:nvCxnSpPr>
+          <p:spPr>
+            <a:xfrm flipH="1">
+              <a:off x="9306451" y="2696220"/>
+              <a:ext cx="34935" cy="3137455"/>
+            </a:xfrm>
+            <a:prstGeom prst="line">
+              <a:avLst/>
+            </a:prstGeom>
+          </p:spPr>
+          <p:style>
+            <a:lnRef idx="1">
+              <a:schemeClr val="dk1"/>
+            </a:lnRef>
+            <a:fillRef idx="0">
+              <a:schemeClr val="dk1"/>
+            </a:fillRef>
+            <a:effectRef idx="0">
+              <a:schemeClr val="dk1"/>
+            </a:effectRef>
+            <a:fontRef idx="minor">
+              <a:schemeClr val="tx1"/>
+            </a:fontRef>
+          </p:style>
+        </p:cxnSp>
+        <p:sp>
+          <p:nvSpPr>
+            <p:cNvPr id="126" name="Rectangle: Rounded Corners 125">
+              <a:extLst>
+                <a:ext uri="{FF2B5EF4-FFF2-40B4-BE49-F238E27FC236}">
+                  <a16:creationId xmlns:a16="http://schemas.microsoft.com/office/drawing/2014/main" id="{6ECB570E-A732-41A7-BFE0-09605D67D891}"/>
+                </a:ext>
+              </a:extLst>
+            </p:cNvPr>
+            <p:cNvSpPr/>
+            <p:nvPr/>
+          </p:nvSpPr>
+          <p:spPr>
+            <a:xfrm>
+              <a:off x="9934224" y="5833675"/>
+              <a:ext cx="979365" cy="573388"/>
+            </a:xfrm>
+            <a:prstGeom prst="roundRect">
+              <a:avLst/>
+            </a:prstGeom>
+            <a:noFill/>
+          </p:spPr>
+          <p:style>
+            <a:lnRef idx="2">
+              <a:schemeClr val="accent1">
+                <a:shade val="50000"/>
+              </a:schemeClr>
+            </a:lnRef>
+            <a:fillRef idx="1">
+              <a:schemeClr val="accent1"/>
+            </a:fillRef>
+            <a:effectRef idx="0">
+              <a:schemeClr val="accent1"/>
+            </a:effectRef>
+            <a:fontRef idx="minor">
+              <a:schemeClr val="lt1"/>
+            </a:fontRef>
+          </p:style>
+          <p:txBody>
+            <a:bodyPr rtlCol="0" anchor="ctr"/>
+            <a:lstStyle/>
+            <a:p>
+              <a:pPr algn="ctr"/>
+              <a:r>
+                <a:rPr lang="en-US" dirty="0">
+                  <a:solidFill>
+                    <a:schemeClr val="tx1"/>
+                  </a:solidFill>
+                </a:rPr>
+                <a:t>bNode-0001</a:t>
+              </a:r>
+            </a:p>
+          </p:txBody>
+        </p:sp>
+        <p:sp>
+          <p:nvSpPr>
+            <p:cNvPr id="127" name="Rectangle: Rounded Corners 126">
+              <a:extLst>
+                <a:ext uri="{FF2B5EF4-FFF2-40B4-BE49-F238E27FC236}">
+                  <a16:creationId xmlns:a16="http://schemas.microsoft.com/office/drawing/2014/main" id="{116E09EA-6457-456A-BC42-AD5CC4093812}"/>
+                </a:ext>
+              </a:extLst>
+            </p:cNvPr>
+            <p:cNvSpPr/>
+            <p:nvPr/>
+          </p:nvSpPr>
+          <p:spPr>
+            <a:xfrm>
+              <a:off x="11064679" y="5833675"/>
+              <a:ext cx="979365" cy="573388"/>
+            </a:xfrm>
+            <a:prstGeom prst="roundRect">
+              <a:avLst/>
+            </a:prstGeom>
+            <a:noFill/>
+          </p:spPr>
+          <p:style>
+            <a:lnRef idx="2">
+              <a:schemeClr val="accent1">
+                <a:shade val="50000"/>
+              </a:schemeClr>
+            </a:lnRef>
+            <a:fillRef idx="1">
+              <a:schemeClr val="accent1"/>
+            </a:fillRef>
+            <a:effectRef idx="0">
+              <a:schemeClr val="accent1"/>
+            </a:effectRef>
+            <a:fontRef idx="minor">
+              <a:schemeClr val="lt1"/>
+            </a:fontRef>
+          </p:style>
+          <p:txBody>
+            <a:bodyPr rtlCol="0" anchor="ctr"/>
+            <a:lstStyle/>
+            <a:p>
+              <a:pPr algn="ctr"/>
+              <a:r>
+                <a:rPr lang="en-US" dirty="0">
+                  <a:solidFill>
+                    <a:schemeClr val="tx1"/>
+                  </a:solidFill>
+                </a:rPr>
+                <a:t>bNode-0002</a:t>
+              </a:r>
+            </a:p>
+          </p:txBody>
+        </p:sp>
+        <p:cxnSp>
+          <p:nvCxnSpPr>
+            <p:cNvPr id="128" name="Straight Connector 127">
+              <a:extLst>
+                <a:ext uri="{FF2B5EF4-FFF2-40B4-BE49-F238E27FC236}">
+                  <a16:creationId xmlns:a16="http://schemas.microsoft.com/office/drawing/2014/main" id="{497E97CD-EF7C-448E-832E-EBFCD7DC038B}"/>
+                </a:ext>
+              </a:extLst>
+            </p:cNvPr>
+            <p:cNvCxnSpPr>
+              <a:cxnSpLocks/>
+              <a:stCxn id="48" idx="2"/>
+              <a:endCxn id="126" idx="0"/>
+            </p:cNvCxnSpPr>
+            <p:nvPr/>
+          </p:nvCxnSpPr>
+          <p:spPr>
+            <a:xfrm flipH="1">
+              <a:off x="10423907" y="2699180"/>
+              <a:ext cx="1107713" cy="3134495"/>
+            </a:xfrm>
+            <a:prstGeom prst="line">
+              <a:avLst/>
+            </a:prstGeom>
+          </p:spPr>
+          <p:style>
+            <a:lnRef idx="1">
+              <a:schemeClr val="dk1"/>
+            </a:lnRef>
+            <a:fillRef idx="0">
+              <a:schemeClr val="dk1"/>
+            </a:fillRef>
+            <a:effectRef idx="0">
+              <a:schemeClr val="dk1"/>
+            </a:effectRef>
+            <a:fontRef idx="minor">
+              <a:schemeClr val="tx1"/>
+            </a:fontRef>
+          </p:style>
+        </p:cxnSp>
+        <p:cxnSp>
+          <p:nvCxnSpPr>
+            <p:cNvPr id="129" name="Straight Connector 128">
+              <a:extLst>
+                <a:ext uri="{FF2B5EF4-FFF2-40B4-BE49-F238E27FC236}">
+                  <a16:creationId xmlns:a16="http://schemas.microsoft.com/office/drawing/2014/main" id="{9F8E38E7-8387-4345-A6B2-D41A52D509CE}"/>
+                </a:ext>
+              </a:extLst>
+            </p:cNvPr>
+            <p:cNvCxnSpPr>
+              <a:cxnSpLocks/>
+              <a:stCxn id="48" idx="2"/>
+              <a:endCxn id="127" idx="0"/>
+            </p:cNvCxnSpPr>
+            <p:nvPr/>
+          </p:nvCxnSpPr>
+          <p:spPr>
+            <a:xfrm>
+              <a:off x="11531620" y="2699180"/>
+              <a:ext cx="22742" cy="3134495"/>
+            </a:xfrm>
+            <a:prstGeom prst="line">
+              <a:avLst/>
+            </a:prstGeom>
+          </p:spPr>
+          <p:style>
+            <a:lnRef idx="1">
+              <a:schemeClr val="dk1"/>
+            </a:lnRef>
+            <a:fillRef idx="0">
+              <a:schemeClr val="dk1"/>
+            </a:fillRef>
+            <a:effectRef idx="0">
+              <a:schemeClr val="dk1"/>
+            </a:effectRef>
+            <a:fontRef idx="minor">
+              <a:schemeClr val="tx1"/>
+            </a:fontRef>
+          </p:style>
+        </p:cxnSp>
+        <p:cxnSp>
+          <p:nvCxnSpPr>
+            <p:cNvPr id="200" name="Straight Connector 199">
+              <a:extLst>
+                <a:ext uri="{FF2B5EF4-FFF2-40B4-BE49-F238E27FC236}">
+                  <a16:creationId xmlns:a16="http://schemas.microsoft.com/office/drawing/2014/main" id="{1140D778-EA31-446E-8745-944E95D7335A}"/>
+                </a:ext>
+              </a:extLst>
+            </p:cNvPr>
+            <p:cNvCxnSpPr>
+              <a:cxnSpLocks/>
+              <a:stCxn id="8" idx="2"/>
+              <a:endCxn id="219" idx="0"/>
+            </p:cNvCxnSpPr>
+            <p:nvPr/>
+          </p:nvCxnSpPr>
+          <p:spPr>
+            <a:xfrm flipH="1">
+              <a:off x="616944" y="2684841"/>
+              <a:ext cx="36522" cy="436526"/>
+            </a:xfrm>
+            <a:prstGeom prst="line">
+              <a:avLst/>
+            </a:prstGeom>
+          </p:spPr>
+          <p:style>
+            <a:lnRef idx="1">
+              <a:schemeClr val="dk1"/>
+            </a:lnRef>
+            <a:fillRef idx="0">
+              <a:schemeClr val="dk1"/>
+            </a:fillRef>
+            <a:effectRef idx="0">
+              <a:schemeClr val="dk1"/>
+            </a:effectRef>
+            <a:fontRef idx="minor">
+              <a:schemeClr val="tx1"/>
+            </a:fontRef>
+          </p:style>
+        </p:cxnSp>
+        <p:sp>
+          <p:nvSpPr>
+            <p:cNvPr id="219" name="Rectangle: Rounded Corners 218">
+              <a:extLst>
+                <a:ext uri="{FF2B5EF4-FFF2-40B4-BE49-F238E27FC236}">
+                  <a16:creationId xmlns:a16="http://schemas.microsoft.com/office/drawing/2014/main" id="{7ED25BC0-09C1-4772-9387-18AE0F9D6ED3}"/>
+                </a:ext>
+              </a:extLst>
+            </p:cNvPr>
+            <p:cNvSpPr/>
+            <p:nvPr/>
+          </p:nvSpPr>
+          <p:spPr>
+            <a:xfrm>
+              <a:off x="36021" y="3121367"/>
+              <a:ext cx="1161845" cy="615266"/>
+            </a:xfrm>
+            <a:prstGeom prst="roundRect">
+              <a:avLst/>
+            </a:prstGeom>
+            <a:noFill/>
+          </p:spPr>
+          <p:style>
+            <a:lnRef idx="2">
+              <a:schemeClr val="accent1">
+                <a:shade val="50000"/>
+              </a:schemeClr>
+            </a:lnRef>
+            <a:fillRef idx="1">
+              <a:schemeClr val="accent1"/>
+            </a:fillRef>
+            <a:effectRef idx="0">
+              <a:schemeClr val="accent1"/>
+            </a:effectRef>
+            <a:fontRef idx="minor">
+              <a:schemeClr val="lt1"/>
+            </a:fontRef>
+          </p:style>
+          <p:txBody>
+            <a:bodyPr rtlCol="0" anchor="ctr"/>
+            <a:lstStyle/>
+            <a:p>
+              <a:pPr algn="ctr"/>
+              <a:r>
+                <a:rPr lang="en-US" dirty="0">
+                  <a:solidFill>
+                    <a:schemeClr val="tx1"/>
+                  </a:solidFill>
+                </a:rPr>
+                <a:t>Customer</a:t>
+              </a:r>
+            </a:p>
+            <a:p>
+              <a:pPr algn="ctr"/>
+              <a:r>
+                <a:rPr lang="en-US" dirty="0">
+                  <a:solidFill>
+                    <a:schemeClr val="tx1"/>
+                  </a:solidFill>
+                </a:rPr>
+                <a:t>Requests</a:t>
+              </a:r>
+            </a:p>
+          </p:txBody>
+        </p:sp>
+        <p:sp>
+          <p:nvSpPr>
+            <p:cNvPr id="225" name="Rectangle: Rounded Corners 224">
+              <a:extLst>
+                <a:ext uri="{FF2B5EF4-FFF2-40B4-BE49-F238E27FC236}">
+                  <a16:creationId xmlns:a16="http://schemas.microsoft.com/office/drawing/2014/main" id="{2949699D-E156-4078-A13E-02B4BBE1471C}"/>
+                </a:ext>
+              </a:extLst>
+            </p:cNvPr>
+            <p:cNvSpPr/>
+            <p:nvPr/>
+          </p:nvSpPr>
+          <p:spPr>
+            <a:xfrm>
+              <a:off x="1282829" y="3121367"/>
+              <a:ext cx="856334" cy="413326"/>
+            </a:xfrm>
+            <a:prstGeom prst="roundRect">
+              <a:avLst/>
+            </a:prstGeom>
+            <a:noFill/>
+          </p:spPr>
+          <p:style>
+            <a:lnRef idx="2">
+              <a:schemeClr val="accent1">
+                <a:shade val="50000"/>
+              </a:schemeClr>
+            </a:lnRef>
+            <a:fillRef idx="1">
+              <a:schemeClr val="accent1"/>
+            </a:fillRef>
+            <a:effectRef idx="0">
+              <a:schemeClr val="accent1"/>
+            </a:effectRef>
+            <a:fontRef idx="minor">
+              <a:schemeClr val="lt1"/>
+            </a:fontRef>
+          </p:style>
+          <p:txBody>
+            <a:bodyPr rtlCol="0" anchor="ctr"/>
+            <a:lstStyle/>
+            <a:p>
+              <a:pPr algn="ctr"/>
+              <a:r>
+                <a:rPr lang="en-US" dirty="0">
+                  <a:solidFill>
+                    <a:schemeClr val="tx1"/>
+                  </a:solidFill>
+                </a:rPr>
+                <a:t>rides</a:t>
+              </a:r>
+            </a:p>
+          </p:txBody>
+        </p:sp>
+        <p:cxnSp>
+          <p:nvCxnSpPr>
+            <p:cNvPr id="232" name="Straight Connector 231">
+              <a:extLst>
+                <a:ext uri="{FF2B5EF4-FFF2-40B4-BE49-F238E27FC236}">
+                  <a16:creationId xmlns:a16="http://schemas.microsoft.com/office/drawing/2014/main" id="{FA318747-766B-4EB9-A07A-1772496ADF59}"/>
+                </a:ext>
+              </a:extLst>
+            </p:cNvPr>
+            <p:cNvCxnSpPr>
+              <a:cxnSpLocks/>
+              <a:stCxn id="225" idx="0"/>
+              <a:endCxn id="8" idx="2"/>
+            </p:cNvCxnSpPr>
+            <p:nvPr/>
+          </p:nvCxnSpPr>
+          <p:spPr>
+            <a:xfrm flipH="1" flipV="1">
+              <a:off x="653466" y="2684841"/>
+              <a:ext cx="1057530" cy="436526"/>
+            </a:xfrm>
+            <a:prstGeom prst="line">
+              <a:avLst/>
+            </a:prstGeom>
+          </p:spPr>
+          <p:style>
+            <a:lnRef idx="1">
+              <a:schemeClr val="dk1"/>
+            </a:lnRef>
+            <a:fillRef idx="0">
+              <a:schemeClr val="dk1"/>
+            </a:fillRef>
+            <a:effectRef idx="0">
+              <a:schemeClr val="dk1"/>
+            </a:effectRef>
+            <a:fontRef idx="minor">
+              <a:schemeClr val="tx1"/>
+            </a:fontRef>
+          </p:style>
+        </p:cxnSp>
+        <p:cxnSp>
+          <p:nvCxnSpPr>
+            <p:cNvPr id="233" name="Straight Connector 232">
+              <a:extLst>
+                <a:ext uri="{FF2B5EF4-FFF2-40B4-BE49-F238E27FC236}">
+                  <a16:creationId xmlns:a16="http://schemas.microsoft.com/office/drawing/2014/main" id="{9091D24E-7DE9-4BB5-B461-971F62617CD1}"/>
+                </a:ext>
+              </a:extLst>
+            </p:cNvPr>
+            <p:cNvCxnSpPr>
+              <a:cxnSpLocks/>
+              <a:stCxn id="9" idx="2"/>
+              <a:endCxn id="234" idx="0"/>
+            </p:cNvCxnSpPr>
+            <p:nvPr/>
+          </p:nvCxnSpPr>
+          <p:spPr>
+            <a:xfrm flipH="1">
+              <a:off x="2091133" y="2708880"/>
+              <a:ext cx="409734" cy="1089998"/>
+            </a:xfrm>
+            <a:prstGeom prst="line">
+              <a:avLst/>
+            </a:prstGeom>
+          </p:spPr>
+          <p:style>
+            <a:lnRef idx="1">
+              <a:schemeClr val="dk1"/>
+            </a:lnRef>
+            <a:fillRef idx="0">
+              <a:schemeClr val="dk1"/>
+            </a:fillRef>
+            <a:effectRef idx="0">
+              <a:schemeClr val="dk1"/>
+            </a:effectRef>
+            <a:fontRef idx="minor">
+              <a:schemeClr val="tx1"/>
+            </a:fontRef>
+          </p:style>
+        </p:cxnSp>
+        <p:sp>
+          <p:nvSpPr>
+            <p:cNvPr id="234" name="Rectangle: Rounded Corners 233">
+              <a:extLst>
+                <a:ext uri="{FF2B5EF4-FFF2-40B4-BE49-F238E27FC236}">
+                  <a16:creationId xmlns:a16="http://schemas.microsoft.com/office/drawing/2014/main" id="{EBC89136-4D0D-478E-99D9-8A837421BBD1}"/>
+                </a:ext>
+              </a:extLst>
+            </p:cNvPr>
+            <p:cNvSpPr/>
+            <p:nvPr/>
+          </p:nvSpPr>
+          <p:spPr>
+            <a:xfrm>
+              <a:off x="1510210" y="3798878"/>
+              <a:ext cx="1161845" cy="615266"/>
+            </a:xfrm>
+            <a:prstGeom prst="roundRect">
+              <a:avLst/>
+            </a:prstGeom>
+            <a:noFill/>
+          </p:spPr>
+          <p:style>
+            <a:lnRef idx="2">
+              <a:schemeClr val="accent1">
+                <a:shade val="50000"/>
+              </a:schemeClr>
+            </a:lnRef>
+            <a:fillRef idx="1">
+              <a:schemeClr val="accent1"/>
+            </a:fillRef>
+            <a:effectRef idx="0">
+              <a:schemeClr val="accent1"/>
+            </a:effectRef>
+            <a:fontRef idx="minor">
+              <a:schemeClr val="lt1"/>
+            </a:fontRef>
+          </p:style>
+          <p:txBody>
+            <a:bodyPr rtlCol="0" anchor="ctr"/>
+            <a:lstStyle/>
+            <a:p>
+              <a:pPr algn="ctr"/>
+              <a:r>
+                <a:rPr lang="en-US">
+                  <a:solidFill>
+                    <a:schemeClr val="tx1"/>
+                  </a:solidFill>
+                </a:rPr>
+                <a:t>Customer</a:t>
+              </a:r>
+            </a:p>
+            <a:p>
+              <a:pPr algn="ctr"/>
+              <a:r>
+                <a:rPr lang="en-US" dirty="0">
+                  <a:solidFill>
+                    <a:schemeClr val="tx1"/>
+                  </a:solidFill>
+                </a:rPr>
+                <a:t>Requests</a:t>
+              </a:r>
+            </a:p>
+          </p:txBody>
+        </p:sp>
+        <p:sp>
+          <p:nvSpPr>
+            <p:cNvPr id="235" name="Rectangle: Rounded Corners 234">
+              <a:extLst>
+                <a:ext uri="{FF2B5EF4-FFF2-40B4-BE49-F238E27FC236}">
+                  <a16:creationId xmlns:a16="http://schemas.microsoft.com/office/drawing/2014/main" id="{B9C2AC1C-7EC6-4C19-B821-B26A21342375}"/>
+                </a:ext>
+              </a:extLst>
+            </p:cNvPr>
+            <p:cNvSpPr/>
+            <p:nvPr/>
+          </p:nvSpPr>
+          <p:spPr>
+            <a:xfrm>
+              <a:off x="2761681" y="3807386"/>
+              <a:ext cx="856334" cy="413326"/>
+            </a:xfrm>
+            <a:prstGeom prst="roundRect">
+              <a:avLst/>
+            </a:prstGeom>
+            <a:noFill/>
+          </p:spPr>
+          <p:style>
+            <a:lnRef idx="2">
+              <a:schemeClr val="accent1">
+                <a:shade val="50000"/>
+              </a:schemeClr>
+            </a:lnRef>
+            <a:fillRef idx="1">
+              <a:schemeClr val="accent1"/>
+            </a:fillRef>
+            <a:effectRef idx="0">
+              <a:schemeClr val="accent1"/>
+            </a:effectRef>
+            <a:fontRef idx="minor">
+              <a:schemeClr val="lt1"/>
+            </a:fontRef>
+          </p:style>
+          <p:txBody>
+            <a:bodyPr rtlCol="0" anchor="ctr"/>
+            <a:lstStyle/>
+            <a:p>
+              <a:pPr algn="ctr"/>
+              <a:r>
+                <a:rPr lang="en-US" dirty="0">
+                  <a:solidFill>
+                    <a:schemeClr val="tx1"/>
+                  </a:solidFill>
+                </a:rPr>
+                <a:t>rides</a:t>
+              </a:r>
+            </a:p>
+          </p:txBody>
+        </p:sp>
+        <p:cxnSp>
+          <p:nvCxnSpPr>
+            <p:cNvPr id="236" name="Straight Connector 235">
+              <a:extLst>
+                <a:ext uri="{FF2B5EF4-FFF2-40B4-BE49-F238E27FC236}">
+                  <a16:creationId xmlns:a16="http://schemas.microsoft.com/office/drawing/2014/main" id="{C92E5707-43B6-47DD-BC17-A8F825B8BEDA}"/>
+                </a:ext>
+              </a:extLst>
+            </p:cNvPr>
+            <p:cNvCxnSpPr>
+              <a:cxnSpLocks/>
+              <a:stCxn id="235" idx="0"/>
+              <a:endCxn id="9" idx="2"/>
+            </p:cNvCxnSpPr>
+            <p:nvPr/>
+          </p:nvCxnSpPr>
+          <p:spPr>
+            <a:xfrm flipH="1" flipV="1">
+              <a:off x="2500867" y="2708880"/>
+              <a:ext cx="688981" cy="1098506"/>
+            </a:xfrm>
+            <a:prstGeom prst="line">
+              <a:avLst/>
+            </a:prstGeom>
+          </p:spPr>
+          <p:style>
+            <a:lnRef idx="1">
+              <a:schemeClr val="dk1"/>
+            </a:lnRef>
+            <a:fillRef idx="0">
+              <a:schemeClr val="dk1"/>
+            </a:fillRef>
+            <a:effectRef idx="0">
+              <a:schemeClr val="dk1"/>
+            </a:effectRef>
+            <a:fontRef idx="minor">
+              <a:schemeClr val="tx1"/>
+            </a:fontRef>
+          </p:style>
+        </p:cxnSp>
+        <p:sp>
+          <p:nvSpPr>
+            <p:cNvPr id="247" name="Rectangle: Rounded Corners 246">
+              <a:extLst>
+                <a:ext uri="{FF2B5EF4-FFF2-40B4-BE49-F238E27FC236}">
+                  <a16:creationId xmlns:a16="http://schemas.microsoft.com/office/drawing/2014/main" id="{38D5ED55-8ECB-4A15-B4A1-DC5A1B1A9FD1}"/>
+                </a:ext>
+              </a:extLst>
+            </p:cNvPr>
+            <p:cNvSpPr/>
+            <p:nvPr/>
+          </p:nvSpPr>
+          <p:spPr>
+            <a:xfrm>
+              <a:off x="820034" y="4678329"/>
+              <a:ext cx="2030580" cy="1190427"/>
+            </a:xfrm>
+            <a:prstGeom prst="roundRect">
+              <a:avLst/>
+            </a:prstGeom>
+            <a:noFill/>
+          </p:spPr>
+          <p:style>
+            <a:lnRef idx="2">
+              <a:schemeClr val="accent1">
+                <a:shade val="50000"/>
+              </a:schemeClr>
+            </a:lnRef>
+            <a:fillRef idx="1">
+              <a:schemeClr val="accent1"/>
+            </a:fillRef>
+            <a:effectRef idx="0">
+              <a:schemeClr val="accent1"/>
+            </a:effectRef>
+            <a:fontRef idx="minor">
+              <a:schemeClr val="lt1"/>
+            </a:fontRef>
+          </p:style>
+          <p:txBody>
+            <a:bodyPr rtlCol="0" anchor="ctr"/>
+            <a:lstStyle/>
+            <a:p>
+              <a:r>
+                <a:rPr lang="en-US" dirty="0">
+                  <a:solidFill>
+                    <a:schemeClr val="tx1"/>
+                  </a:solidFill>
+                </a:rPr>
+                <a:t>Name: “Shai”</a:t>
+              </a:r>
+            </a:p>
+            <a:p>
+              <a:r>
+                <a:rPr lang="en-US" dirty="0">
+                  <a:solidFill>
+                    <a:schemeClr val="tx1"/>
+                  </a:solidFill>
+                </a:rPr>
+                <a:t>Path: [“a1”, “b2”]</a:t>
+              </a:r>
+            </a:p>
+            <a:p>
+              <a:r>
+                <a:rPr lang="en-US" dirty="0">
+                  <a:solidFill>
+                    <a:schemeClr val="tx1"/>
+                  </a:solidFill>
+                </a:rPr>
+                <a:t>Date: “1/19/21”</a:t>
+              </a:r>
+            </a:p>
+            <a:p>
+              <a:r>
+                <a:rPr lang="en-US" dirty="0">
+                  <a:solidFill>
+                    <a:schemeClr val="tx1"/>
+                  </a:solidFill>
+                </a:rPr>
+                <a:t>Rides: []</a:t>
+              </a:r>
+            </a:p>
+          </p:txBody>
+        </p:sp>
+        <p:cxnSp>
+          <p:nvCxnSpPr>
+            <p:cNvPr id="248" name="Straight Connector 247">
+              <a:extLst>
+                <a:ext uri="{FF2B5EF4-FFF2-40B4-BE49-F238E27FC236}">
+                  <a16:creationId xmlns:a16="http://schemas.microsoft.com/office/drawing/2014/main" id="{82C5A400-B492-4F08-9FC1-546651D03BFB}"/>
+                </a:ext>
+              </a:extLst>
+            </p:cNvPr>
+            <p:cNvCxnSpPr>
+              <a:cxnSpLocks/>
+              <a:stCxn id="234" idx="2"/>
+              <a:endCxn id="247" idx="0"/>
+            </p:cNvCxnSpPr>
+            <p:nvPr/>
+          </p:nvCxnSpPr>
+          <p:spPr>
+            <a:xfrm flipH="1">
+              <a:off x="1835324" y="4414144"/>
+              <a:ext cx="255809" cy="264185"/>
+            </a:xfrm>
+            <a:prstGeom prst="line">
+              <a:avLst/>
+            </a:prstGeom>
+          </p:spPr>
+          <p:style>
+            <a:lnRef idx="1">
+              <a:schemeClr val="dk1"/>
+            </a:lnRef>
+            <a:fillRef idx="0">
+              <a:schemeClr val="dk1"/>
+            </a:fillRef>
+            <a:effectRef idx="0">
+              <a:schemeClr val="dk1"/>
+            </a:effectRef>
+            <a:fontRef idx="minor">
+              <a:schemeClr val="tx1"/>
+            </a:fontRef>
+          </p:style>
+        </p:cxnSp>
+      </p:grpSp>
+    </p:spTree>
+    <p:extLst>
+      <p:ext uri="{BB962C8B-B14F-4D97-AF65-F5344CB8AC3E}">
+        <p14:creationId xmlns:p14="http://schemas.microsoft.com/office/powerpoint/2010/main" val="2730109540"/>
       </p:ext>
     </p:extLst>
   </p:cSld>
@@ -6451,6 +9118,301 @@
 </a:theme>
 </file>
 
+<file path=ppt/theme/theme2.xml><?xml version="1.0" encoding="utf-8"?>
+<a:theme xmlns:a="http://schemas.openxmlformats.org/drawingml/2006/main" name="Office Theme">
+  <a:themeElements>
+    <a:clrScheme name="Office">
+      <a:dk1>
+        <a:sysClr val="windowText" lastClr="000000"/>
+      </a:dk1>
+      <a:lt1>
+        <a:sysClr val="window" lastClr="FFFFFF"/>
+      </a:lt1>
+      <a:dk2>
+        <a:srgbClr val="44546A"/>
+      </a:dk2>
+      <a:lt2>
+        <a:srgbClr val="E7E6E6"/>
+      </a:lt2>
+      <a:accent1>
+        <a:srgbClr val="4472C4"/>
+      </a:accent1>
+      <a:accent2>
+        <a:srgbClr val="ED7D31"/>
+      </a:accent2>
+      <a:accent3>
+        <a:srgbClr val="A5A5A5"/>
+      </a:accent3>
+      <a:accent4>
+        <a:srgbClr val="FFC000"/>
+      </a:accent4>
+      <a:accent5>
+        <a:srgbClr val="5B9BD5"/>
+      </a:accent5>
+      <a:accent6>
+        <a:srgbClr val="70AD47"/>
+      </a:accent6>
+      <a:hlink>
+        <a:srgbClr val="0563C1"/>
+      </a:hlink>
+      <a:folHlink>
+        <a:srgbClr val="954F72"/>
+      </a:folHlink>
+    </a:clrScheme>
+    <a:fontScheme name="Office">
+      <a:majorFont>
+        <a:latin typeface="Calibri Light" panose="020F0302020204030204"/>
+        <a:ea typeface=""/>
+        <a:cs typeface=""/>
+        <a:font script="Jpan" typeface="游ゴシック Light"/>
+        <a:font script="Hang" typeface="맑은 고딕"/>
+        <a:font script="Hans" typeface="等线 Light"/>
+        <a:font script="Hant" typeface="新細明體"/>
+        <a:font script="Arab" typeface="Times New Roman"/>
+        <a:font script="Hebr" typeface="Times New Roman"/>
+        <a:font script="Thai" typeface="Angsana New"/>
+        <a:font script="Ethi" typeface="Nyala"/>
+        <a:font script="Beng" typeface="Vrinda"/>
+        <a:font script="Gujr" typeface="Shruti"/>
+        <a:font script="Khmr" typeface="MoolBoran"/>
+        <a:font script="Knda" typeface="Tunga"/>
+        <a:font script="Guru" typeface="Raavi"/>
+        <a:font script="Cans" typeface="Euphemia"/>
+        <a:font script="Cher" typeface="Plantagenet Cherokee"/>
+        <a:font script="Yiii" typeface="Microsoft Yi Baiti"/>
+        <a:font script="Tibt" typeface="Microsoft Himalaya"/>
+        <a:font script="Thaa" typeface="MV Boli"/>
+        <a:font script="Deva" typeface="Mangal"/>
+        <a:font script="Telu" typeface="Gautami"/>
+        <a:font script="Taml" typeface="Latha"/>
+        <a:font script="Syrc" typeface="Estrangelo Edessa"/>
+        <a:font script="Orya" typeface="Kalinga"/>
+        <a:font script="Mlym" typeface="Kartika"/>
+        <a:font script="Laoo" typeface="DokChampa"/>
+        <a:font script="Sinh" typeface="Iskoola Pota"/>
+        <a:font script="Mong" typeface="Mongolian Baiti"/>
+        <a:font script="Viet" typeface="Times New Roman"/>
+        <a:font script="Uigh" typeface="Microsoft Uighur"/>
+        <a:font script="Geor" typeface="Sylfaen"/>
+        <a:font script="Armn" typeface="Arial"/>
+        <a:font script="Bugi" typeface="Leelawadee UI"/>
+        <a:font script="Bopo" typeface="Microsoft JhengHei"/>
+        <a:font script="Java" typeface="Javanese Text"/>
+        <a:font script="Lisu" typeface="Segoe UI"/>
+        <a:font script="Mymr" typeface="Myanmar Text"/>
+        <a:font script="Nkoo" typeface="Ebrima"/>
+        <a:font script="Olck" typeface="Nirmala UI"/>
+        <a:font script="Osma" typeface="Ebrima"/>
+        <a:font script="Phag" typeface="Phagspa"/>
+        <a:font script="Syrn" typeface="Estrangelo Edessa"/>
+        <a:font script="Syrj" typeface="Estrangelo Edessa"/>
+        <a:font script="Syre" typeface="Estrangelo Edessa"/>
+        <a:font script="Sora" typeface="Nirmala UI"/>
+        <a:font script="Tale" typeface="Microsoft Tai Le"/>
+        <a:font script="Talu" typeface="Microsoft New Tai Lue"/>
+        <a:font script="Tfng" typeface="Ebrima"/>
+      </a:majorFont>
+      <a:minorFont>
+        <a:latin typeface="Calibri" panose="020F0502020204030204"/>
+        <a:ea typeface=""/>
+        <a:cs typeface=""/>
+        <a:font script="Jpan" typeface="游ゴシック"/>
+        <a:font script="Hang" typeface="맑은 고딕"/>
+        <a:font script="Hans" typeface="等线"/>
+        <a:font script="Hant" typeface="新細明體"/>
+        <a:font script="Arab" typeface="Arial"/>
+        <a:font script="Hebr" typeface="Arial"/>
+        <a:font script="Thai" typeface="Cordia New"/>
+        <a:font script="Ethi" typeface="Nyala"/>
+        <a:font script="Beng" typeface="Vrinda"/>
+        <a:font script="Gujr" typeface="Shruti"/>
+        <a:font script="Khmr" typeface="DaunPenh"/>
+        <a:font script="Knda" typeface="Tunga"/>
+        <a:font script="Guru" typeface="Raavi"/>
+        <a:font script="Cans" typeface="Euphemia"/>
+        <a:font script="Cher" typeface="Plantagenet Cherokee"/>
+        <a:font script="Yiii" typeface="Microsoft Yi Baiti"/>
+        <a:font script="Tibt" typeface="Microsoft Himalaya"/>
+        <a:font script="Thaa" typeface="MV Boli"/>
+        <a:font script="Deva" typeface="Mangal"/>
+        <a:font script="Telu" typeface="Gautami"/>
+        <a:font script="Taml" typeface="Latha"/>
+        <a:font script="Syrc" typeface="Estrangelo Edessa"/>
+        <a:font script="Orya" typeface="Kalinga"/>
+        <a:font script="Mlym" typeface="Kartika"/>
+        <a:font script="Laoo" typeface="DokChampa"/>
+        <a:font script="Sinh" typeface="Iskoola Pota"/>
+        <a:font script="Mong" typeface="Mongolian Baiti"/>
+        <a:font script="Viet" typeface="Arial"/>
+        <a:font script="Uigh" typeface="Microsoft Uighur"/>
+        <a:font script="Geor" typeface="Sylfaen"/>
+        <a:font script="Armn" typeface="Arial"/>
+        <a:font script="Bugi" typeface="Leelawadee UI"/>
+        <a:font script="Bopo" typeface="Microsoft JhengHei"/>
+        <a:font script="Java" typeface="Javanese Text"/>
+        <a:font script="Lisu" typeface="Segoe UI"/>
+        <a:font script="Mymr" typeface="Myanmar Text"/>
+        <a:font script="Nkoo" typeface="Ebrima"/>
+        <a:font script="Olck" typeface="Nirmala UI"/>
+        <a:font script="Osma" typeface="Ebrima"/>
+        <a:font script="Phag" typeface="Phagspa"/>
+        <a:font script="Syrn" typeface="Estrangelo Edessa"/>
+        <a:font script="Syrj" typeface="Estrangelo Edessa"/>
+        <a:font script="Syre" typeface="Estrangelo Edessa"/>
+        <a:font script="Sora" typeface="Nirmala UI"/>
+        <a:font script="Tale" typeface="Microsoft Tai Le"/>
+        <a:font script="Talu" typeface="Microsoft New Tai Lue"/>
+        <a:font script="Tfng" typeface="Ebrima"/>
+      </a:minorFont>
+    </a:fontScheme>
+    <a:fmtScheme name="Office">
+      <a:fillStyleLst>
+        <a:solidFill>
+          <a:schemeClr val="phClr"/>
+        </a:solidFill>
+        <a:gradFill rotWithShape="1">
+          <a:gsLst>
+            <a:gs pos="0">
+              <a:schemeClr val="phClr">
+                <a:lumMod val="110000"/>
+                <a:satMod val="105000"/>
+                <a:tint val="67000"/>
+              </a:schemeClr>
+            </a:gs>
+            <a:gs pos="50000">
+              <a:schemeClr val="phClr">
+                <a:lumMod val="105000"/>
+                <a:satMod val="103000"/>
+                <a:tint val="73000"/>
+              </a:schemeClr>
+            </a:gs>
+            <a:gs pos="100000">
+              <a:schemeClr val="phClr">
+                <a:lumMod val="105000"/>
+                <a:satMod val="109000"/>
+                <a:tint val="81000"/>
+              </a:schemeClr>
+            </a:gs>
+          </a:gsLst>
+          <a:lin ang="5400000" scaled="0"/>
+        </a:gradFill>
+        <a:gradFill rotWithShape="1">
+          <a:gsLst>
+            <a:gs pos="0">
+              <a:schemeClr val="phClr">
+                <a:satMod val="103000"/>
+                <a:lumMod val="102000"/>
+                <a:tint val="94000"/>
+              </a:schemeClr>
+            </a:gs>
+            <a:gs pos="50000">
+              <a:schemeClr val="phClr">
+                <a:satMod val="110000"/>
+                <a:lumMod val="100000"/>
+                <a:shade val="100000"/>
+              </a:schemeClr>
+            </a:gs>
+            <a:gs pos="100000">
+              <a:schemeClr val="phClr">
+                <a:lumMod val="99000"/>
+                <a:satMod val="120000"/>
+                <a:shade val="78000"/>
+              </a:schemeClr>
+            </a:gs>
+          </a:gsLst>
+          <a:lin ang="5400000" scaled="0"/>
+        </a:gradFill>
+      </a:fillStyleLst>
+      <a:lnStyleLst>
+        <a:ln w="6350" cap="flat" cmpd="sng" algn="ctr">
+          <a:solidFill>
+            <a:schemeClr val="phClr"/>
+          </a:solidFill>
+          <a:prstDash val="solid"/>
+          <a:miter lim="800000"/>
+        </a:ln>
+        <a:ln w="12700" cap="flat" cmpd="sng" algn="ctr">
+          <a:solidFill>
+            <a:schemeClr val="phClr"/>
+          </a:solidFill>
+          <a:prstDash val="solid"/>
+          <a:miter lim="800000"/>
+        </a:ln>
+        <a:ln w="19050" cap="flat" cmpd="sng" algn="ctr">
+          <a:solidFill>
+            <a:schemeClr val="phClr"/>
+          </a:solidFill>
+          <a:prstDash val="solid"/>
+          <a:miter lim="800000"/>
+        </a:ln>
+      </a:lnStyleLst>
+      <a:effectStyleLst>
+        <a:effectStyle>
+          <a:effectLst/>
+        </a:effectStyle>
+        <a:effectStyle>
+          <a:effectLst/>
+        </a:effectStyle>
+        <a:effectStyle>
+          <a:effectLst>
+            <a:outerShdw blurRad="57150" dist="19050" dir="5400000" algn="ctr" rotWithShape="0">
+              <a:srgbClr val="000000">
+                <a:alpha val="63000"/>
+              </a:srgbClr>
+            </a:outerShdw>
+          </a:effectLst>
+        </a:effectStyle>
+      </a:effectStyleLst>
+      <a:bgFillStyleLst>
+        <a:solidFill>
+          <a:schemeClr val="phClr"/>
+        </a:solidFill>
+        <a:solidFill>
+          <a:schemeClr val="phClr">
+            <a:tint val="95000"/>
+            <a:satMod val="170000"/>
+          </a:schemeClr>
+        </a:solidFill>
+        <a:gradFill rotWithShape="1">
+          <a:gsLst>
+            <a:gs pos="0">
+              <a:schemeClr val="phClr">
+                <a:tint val="93000"/>
+                <a:satMod val="150000"/>
+                <a:shade val="98000"/>
+                <a:lumMod val="102000"/>
+              </a:schemeClr>
+            </a:gs>
+            <a:gs pos="50000">
+              <a:schemeClr val="phClr">
+                <a:tint val="98000"/>
+                <a:satMod val="130000"/>
+                <a:shade val="90000"/>
+                <a:lumMod val="103000"/>
+              </a:schemeClr>
+            </a:gs>
+            <a:gs pos="100000">
+              <a:schemeClr val="phClr">
+                <a:shade val="63000"/>
+                <a:satMod val="120000"/>
+              </a:schemeClr>
+            </a:gs>
+          </a:gsLst>
+          <a:lin ang="5400000" scaled="0"/>
+        </a:gradFill>
+      </a:bgFillStyleLst>
+    </a:fmtScheme>
+  </a:themeElements>
+  <a:objectDefaults/>
+  <a:extraClrSchemeLst/>
+  <a:extLst>
+    <a:ext uri="{05A4C25C-085E-4340-85A3-A5531E510DB2}">
+      <thm15:themeFamily xmlns:thm15="http://schemas.microsoft.com/office/thememl/2012/main" name="Office Theme" id="{62F939B6-93AF-4DB8-9C6B-D6C7DFDC589F}" vid="{4A3C46E8-61CC-4603-A589-7422A47A8E4A}"/>
+    </a:ext>
+  </a:extLst>
+</a:theme>
+</file>
+
 <file path=docMetadata/LabelInfo.xml><?xml version="1.0" encoding="utf-8"?>
 <clbl:labelList xmlns:clbl="http://schemas.microsoft.com/office/2020/mipLabelMetadata">
   <clbl:label id="{f42aa342-8706-4288-bd11-ebb85995028c}" enabled="1" method="Standard" siteId="{72f988bf-86f1-41af-91ab-2d7cd011db47}" contentBits="0" removed="0"/>
